--- a/docs/projektplan/resources/diverseGrafiken.pptx
+++ b/docs/projektplan/resources/diverseGrafiken.pptx
@@ -198,7 +198,7 @@
           <a:p>
             <a:fld id="{86A1E255-DD68-4468-96C4-68B2804A118F}" type="datetimeFigureOut">
               <a:rPr lang="de-CH" smtClean="0"/>
-              <a:t>03.03.2017</a:t>
+              <a:t>31.05.17</a:t>
             </a:fld>
             <a:endParaRPr lang="de-CH"/>
           </a:p>
@@ -684,7 +684,7 @@
           <a:p>
             <a:fld id="{19B72615-81F6-4A4F-8BD4-9C3F0A64C1AB}" type="datetimeFigureOut">
               <a:rPr lang="de-CH" smtClean="0"/>
-              <a:t>03.03.2017</a:t>
+              <a:t>31.05.17</a:t>
             </a:fld>
             <a:endParaRPr lang="de-CH"/>
           </a:p>
@@ -854,7 +854,7 @@
           <a:p>
             <a:fld id="{19B72615-81F6-4A4F-8BD4-9C3F0A64C1AB}" type="datetimeFigureOut">
               <a:rPr lang="de-CH" smtClean="0"/>
-              <a:t>03.03.2017</a:t>
+              <a:t>31.05.17</a:t>
             </a:fld>
             <a:endParaRPr lang="de-CH"/>
           </a:p>
@@ -1034,7 +1034,7 @@
           <a:p>
             <a:fld id="{19B72615-81F6-4A4F-8BD4-9C3F0A64C1AB}" type="datetimeFigureOut">
               <a:rPr lang="de-CH" smtClean="0"/>
-              <a:t>03.03.2017</a:t>
+              <a:t>31.05.17</a:t>
             </a:fld>
             <a:endParaRPr lang="de-CH"/>
           </a:p>
@@ -1204,7 +1204,7 @@
           <a:p>
             <a:fld id="{19B72615-81F6-4A4F-8BD4-9C3F0A64C1AB}" type="datetimeFigureOut">
               <a:rPr lang="de-CH" smtClean="0"/>
-              <a:t>03.03.2017</a:t>
+              <a:t>31.05.17</a:t>
             </a:fld>
             <a:endParaRPr lang="de-CH"/>
           </a:p>
@@ -1450,7 +1450,7 @@
           <a:p>
             <a:fld id="{19B72615-81F6-4A4F-8BD4-9C3F0A64C1AB}" type="datetimeFigureOut">
               <a:rPr lang="de-CH" smtClean="0"/>
-              <a:t>03.03.2017</a:t>
+              <a:t>31.05.17</a:t>
             </a:fld>
             <a:endParaRPr lang="de-CH"/>
           </a:p>
@@ -1682,7 +1682,7 @@
           <a:p>
             <a:fld id="{19B72615-81F6-4A4F-8BD4-9C3F0A64C1AB}" type="datetimeFigureOut">
               <a:rPr lang="de-CH" smtClean="0"/>
-              <a:t>03.03.2017</a:t>
+              <a:t>31.05.17</a:t>
             </a:fld>
             <a:endParaRPr lang="de-CH"/>
           </a:p>
@@ -2049,7 +2049,7 @@
           <a:p>
             <a:fld id="{19B72615-81F6-4A4F-8BD4-9C3F0A64C1AB}" type="datetimeFigureOut">
               <a:rPr lang="de-CH" smtClean="0"/>
-              <a:t>03.03.2017</a:t>
+              <a:t>31.05.17</a:t>
             </a:fld>
             <a:endParaRPr lang="de-CH"/>
           </a:p>
@@ -2167,7 +2167,7 @@
           <a:p>
             <a:fld id="{19B72615-81F6-4A4F-8BD4-9C3F0A64C1AB}" type="datetimeFigureOut">
               <a:rPr lang="de-CH" smtClean="0"/>
-              <a:t>03.03.2017</a:t>
+              <a:t>31.05.17</a:t>
             </a:fld>
             <a:endParaRPr lang="de-CH"/>
           </a:p>
@@ -2262,7 +2262,7 @@
           <a:p>
             <a:fld id="{19B72615-81F6-4A4F-8BD4-9C3F0A64C1AB}" type="datetimeFigureOut">
               <a:rPr lang="de-CH" smtClean="0"/>
-              <a:t>03.03.2017</a:t>
+              <a:t>31.05.17</a:t>
             </a:fld>
             <a:endParaRPr lang="de-CH"/>
           </a:p>
@@ -2539,7 +2539,7 @@
           <a:p>
             <a:fld id="{19B72615-81F6-4A4F-8BD4-9C3F0A64C1AB}" type="datetimeFigureOut">
               <a:rPr lang="de-CH" smtClean="0"/>
-              <a:t>03.03.2017</a:t>
+              <a:t>31.05.17</a:t>
             </a:fld>
             <a:endParaRPr lang="de-CH"/>
           </a:p>
@@ -2792,7 +2792,7 @@
           <a:p>
             <a:fld id="{19B72615-81F6-4A4F-8BD4-9C3F0A64C1AB}" type="datetimeFigureOut">
               <a:rPr lang="de-CH" smtClean="0"/>
-              <a:t>03.03.2017</a:t>
+              <a:t>31.05.17</a:t>
             </a:fld>
             <a:endParaRPr lang="de-CH"/>
           </a:p>
@@ -3005,7 +3005,7 @@
           <a:p>
             <a:fld id="{19B72615-81F6-4A4F-8BD4-9C3F0A64C1AB}" type="datetimeFigureOut">
               <a:rPr lang="de-CH" smtClean="0"/>
-              <a:t>03.03.2017</a:t>
+              <a:t>31.05.17</a:t>
             </a:fld>
             <a:endParaRPr lang="de-CH"/>
           </a:p>
@@ -3617,1275 +3617,1309 @@
           <a:chExt cx="0" cy="0"/>
         </a:xfrm>
       </p:grpSpPr>
-      <p:sp>
-        <p:nvSpPr>
-          <p:cNvPr id="24" name="Rectangle 34"/>
-          <p:cNvSpPr>
-            <a:spLocks noChangeArrowheads="1"/>
-          </p:cNvSpPr>
+      <p:grpSp>
+        <p:nvGrpSpPr>
+          <p:cNvPr id="2" name="Gruppierung 1"/>
+          <p:cNvGrpSpPr/>
           <p:nvPr/>
-        </p:nvSpPr>
-        <p:spPr bwMode="auto">
+        </p:nvGrpSpPr>
+        <p:grpSpPr>
           <a:xfrm>
-            <a:off x="839788" y="2012950"/>
-            <a:ext cx="1577975" cy="268067"/>
+            <a:off x="857250" y="2012950"/>
+            <a:ext cx="5464175" cy="2725304"/>
+            <a:chOff x="857250" y="2012950"/>
+            <a:chExt cx="5464175" cy="2725304"/>
           </a:xfrm>
-          <a:prstGeom prst="rect">
-            <a:avLst/>
-          </a:prstGeom>
-          <a:noFill/>
-          <a:ln>
+        </p:grpSpPr>
+        <p:sp>
+          <p:nvSpPr>
+            <p:cNvPr id="24" name="Rectangle 34"/>
+            <p:cNvSpPr>
+              <a:spLocks noChangeArrowheads="1"/>
+            </p:cNvSpPr>
+            <p:nvPr/>
+          </p:nvSpPr>
+          <p:spPr bwMode="auto">
+            <a:xfrm>
+              <a:off x="857250" y="2012950"/>
+              <a:ext cx="1535113" cy="268067"/>
+            </a:xfrm>
+            <a:prstGeom prst="rect">
+              <a:avLst/>
+            </a:prstGeom>
             <a:noFill/>
-          </a:ln>
-          <a:extLst>
-            <a:ext uri="{909E8E84-426E-40DD-AFC4-6F175D3DCCD1}">
-              <a14:hiddenFill xmlns:a14="http://schemas.microsoft.com/office/drawing/2010/main">
+            <a:ln>
+              <a:noFill/>
+            </a:ln>
+            <a:extLst>
+              <a:ext uri="{909E8E84-426E-40DD-AFC4-6F175D3DCCD1}">
+                <a14:hiddenFill xmlns:a14="http://schemas.microsoft.com/office/drawing/2010/main">
+                  <a:solidFill>
+                    <a:srgbClr val="FFFFFF"/>
+                  </a:solidFill>
+                </a14:hiddenFill>
+              </a:ext>
+              <a:ext uri="{91240B29-F687-4F45-9708-019B960494DF}">
+                <a14:hiddenLine xmlns:a14="http://schemas.microsoft.com/office/drawing/2010/main" w="9525">
+                  <a:solidFill>
+                    <a:srgbClr val="000000"/>
+                  </a:solidFill>
+                  <a:miter lim="800000"/>
+                  <a:headEnd/>
+                  <a:tailEnd/>
+                </a14:hiddenLine>
+              </a:ext>
+            </a:extLst>
+          </p:spPr>
+          <p:txBody>
+            <a:bodyPr wrap="square" lIns="67355" tIns="33677" rIns="67355" bIns="33677">
+              <a:spAutoFit/>
+            </a:bodyPr>
+            <a:lstStyle>
+              <a:lvl1pPr defTabSz="336550" eaLnBrk="0" hangingPunct="0">
+                <a:defRPr sz="3800">
+                  <a:solidFill>
+                    <a:srgbClr val="000000"/>
+                  </a:solidFill>
+                  <a:latin typeface="Gill Sans" charset="0"/>
+                  <a:ea typeface="ヒラギノ角ゴ ProN W3" charset="-128"/>
+                  <a:sym typeface="Gill Sans" charset="0"/>
+                </a:defRPr>
+              </a:lvl1pPr>
+              <a:lvl2pPr marL="547688" indent="-211138" defTabSz="336550" eaLnBrk="0" hangingPunct="0">
+                <a:defRPr sz="3800">
+                  <a:solidFill>
+                    <a:srgbClr val="000000"/>
+                  </a:solidFill>
+                  <a:latin typeface="Gill Sans" charset="0"/>
+                  <a:ea typeface="ヒラギノ角ゴ ProN W3" charset="-128"/>
+                  <a:sym typeface="Gill Sans" charset="0"/>
+                </a:defRPr>
+              </a:lvl2pPr>
+              <a:lvl3pPr marL="841375" indent="-168275" defTabSz="336550" eaLnBrk="0" hangingPunct="0">
+                <a:defRPr sz="3800">
+                  <a:solidFill>
+                    <a:srgbClr val="000000"/>
+                  </a:solidFill>
+                  <a:latin typeface="Gill Sans" charset="0"/>
+                  <a:ea typeface="ヒラギノ角ゴ ProN W3" charset="-128"/>
+                  <a:sym typeface="Gill Sans" charset="0"/>
+                </a:defRPr>
+              </a:lvl3pPr>
+              <a:lvl4pPr marL="1177925" indent="-168275" defTabSz="336550" eaLnBrk="0" hangingPunct="0">
+                <a:defRPr sz="3800">
+                  <a:solidFill>
+                    <a:srgbClr val="000000"/>
+                  </a:solidFill>
+                  <a:latin typeface="Gill Sans" charset="0"/>
+                  <a:ea typeface="ヒラギノ角ゴ ProN W3" charset="-128"/>
+                  <a:sym typeface="Gill Sans" charset="0"/>
+                </a:defRPr>
+              </a:lvl4pPr>
+              <a:lvl5pPr marL="1516063" indent="-168275" defTabSz="336550" eaLnBrk="0" hangingPunct="0">
+                <a:defRPr sz="3800">
+                  <a:solidFill>
+                    <a:srgbClr val="000000"/>
+                  </a:solidFill>
+                  <a:latin typeface="Gill Sans" charset="0"/>
+                  <a:ea typeface="ヒラギノ角ゴ ProN W3" charset="-128"/>
+                  <a:sym typeface="Gill Sans" charset="0"/>
+                </a:defRPr>
+              </a:lvl5pPr>
+              <a:lvl6pPr marL="1973263" indent="-168275" algn="ctr" defTabSz="336550" eaLnBrk="0" fontAlgn="base" hangingPunct="0">
+                <a:spcBef>
+                  <a:spcPct val="0"/>
+                </a:spcBef>
+                <a:spcAft>
+                  <a:spcPct val="0"/>
+                </a:spcAft>
+                <a:defRPr sz="3800">
+                  <a:solidFill>
+                    <a:srgbClr val="000000"/>
+                  </a:solidFill>
+                  <a:latin typeface="Gill Sans" charset="0"/>
+                  <a:ea typeface="ヒラギノ角ゴ ProN W3" charset="-128"/>
+                  <a:sym typeface="Gill Sans" charset="0"/>
+                </a:defRPr>
+              </a:lvl6pPr>
+              <a:lvl7pPr marL="2430463" indent="-168275" algn="ctr" defTabSz="336550" eaLnBrk="0" fontAlgn="base" hangingPunct="0">
+                <a:spcBef>
+                  <a:spcPct val="0"/>
+                </a:spcBef>
+                <a:spcAft>
+                  <a:spcPct val="0"/>
+                </a:spcAft>
+                <a:defRPr sz="3800">
+                  <a:solidFill>
+                    <a:srgbClr val="000000"/>
+                  </a:solidFill>
+                  <a:latin typeface="Gill Sans" charset="0"/>
+                  <a:ea typeface="ヒラギノ角ゴ ProN W3" charset="-128"/>
+                  <a:sym typeface="Gill Sans" charset="0"/>
+                </a:defRPr>
+              </a:lvl7pPr>
+              <a:lvl8pPr marL="2887663" indent="-168275" algn="ctr" defTabSz="336550" eaLnBrk="0" fontAlgn="base" hangingPunct="0">
+                <a:spcBef>
+                  <a:spcPct val="0"/>
+                </a:spcBef>
+                <a:spcAft>
+                  <a:spcPct val="0"/>
+                </a:spcAft>
+                <a:defRPr sz="3800">
+                  <a:solidFill>
+                    <a:srgbClr val="000000"/>
+                  </a:solidFill>
+                  <a:latin typeface="Gill Sans" charset="0"/>
+                  <a:ea typeface="ヒラギノ角ゴ ProN W3" charset="-128"/>
+                  <a:sym typeface="Gill Sans" charset="0"/>
+                </a:defRPr>
+              </a:lvl8pPr>
+              <a:lvl9pPr marL="3344863" indent="-168275" algn="ctr" defTabSz="336550" eaLnBrk="0" fontAlgn="base" hangingPunct="0">
+                <a:spcBef>
+                  <a:spcPct val="0"/>
+                </a:spcBef>
+                <a:spcAft>
+                  <a:spcPct val="0"/>
+                </a:spcAft>
+                <a:defRPr sz="3800">
+                  <a:solidFill>
+                    <a:srgbClr val="000000"/>
+                  </a:solidFill>
+                  <a:latin typeface="Gill Sans" charset="0"/>
+                  <a:ea typeface="ヒラギノ角ゴ ProN W3" charset="-128"/>
+                  <a:sym typeface="Gill Sans" charset="0"/>
+                </a:defRPr>
+              </a:lvl9pPr>
+            </a:lstStyle>
+            <a:p>
+              <a:pPr algn="ctr" eaLnBrk="1" hangingPunct="1"/>
+              <a:r>
+                <a:rPr lang="de-CH" altLang="de-DE" sz="1300" b="1" dirty="0">
+                  <a:solidFill>
+                    <a:srgbClr val="595959"/>
+                  </a:solidFill>
+                  <a:latin typeface="Arial" panose="020B0604020202020204" pitchFamily="34" charset="0"/>
+                  <a:ea typeface="ＭＳ Ｐゴシック" panose="020B0600070205080204" pitchFamily="34" charset="-128"/>
+                  <a:cs typeface="Arial" panose="020B0604020202020204" pitchFamily="34" charset="0"/>
+                </a:rPr>
+                <a:t>Prüfung erstellen</a:t>
+              </a:r>
+            </a:p>
+          </p:txBody>
+        </p:sp>
+        <p:grpSp>
+          <p:nvGrpSpPr>
+            <p:cNvPr id="25" name="Group 38"/>
+            <p:cNvGrpSpPr>
+              <a:grpSpLocks/>
+            </p:cNvGrpSpPr>
+            <p:nvPr/>
+          </p:nvGrpSpPr>
+          <p:grpSpPr bwMode="auto">
+            <a:xfrm>
+              <a:off x="2541589" y="2022473"/>
+              <a:ext cx="1991082" cy="2715781"/>
+              <a:chOff x="2287816" y="851693"/>
+              <a:chExt cx="2274508" cy="1098226"/>
+            </a:xfrm>
+          </p:grpSpPr>
+          <p:cxnSp>
+            <p:nvCxnSpPr>
+              <p:cNvPr id="26" name="Straight Connector 42"/>
+              <p:cNvCxnSpPr/>
+              <p:nvPr/>
+            </p:nvCxnSpPr>
+            <p:spPr>
+              <a:xfrm>
+                <a:off x="2287816" y="851693"/>
+                <a:ext cx="0" cy="1098226"/>
+              </a:xfrm>
+              <a:prstGeom prst="line">
+                <a:avLst/>
+              </a:prstGeom>
+              <a:ln w="6350" cap="flat" cmpd="sng" algn="ctr">
                 <a:solidFill>
-                  <a:srgbClr val="FFFFFF"/>
+                  <a:schemeClr val="bg1">
+                    <a:lumMod val="85000"/>
+                  </a:schemeClr>
                 </a:solidFill>
-              </a14:hiddenFill>
-            </a:ext>
-            <a:ext uri="{91240B29-F687-4F45-9708-019B960494DF}">
-              <a14:hiddenLine xmlns:a14="http://schemas.microsoft.com/office/drawing/2010/main" w="9525">
+                <a:prstDash val="solid"/>
+                <a:round/>
+                <a:headEnd type="none" w="med" len="med"/>
+                <a:tailEnd type="none" w="med" len="med"/>
+              </a:ln>
+              <a:effectLst/>
+            </p:spPr>
+            <p:style>
+              <a:lnRef idx="2">
+                <a:schemeClr val="accent1"/>
+              </a:lnRef>
+              <a:fillRef idx="0">
+                <a:schemeClr val="accent1"/>
+              </a:fillRef>
+              <a:effectRef idx="1">
+                <a:schemeClr val="accent1"/>
+              </a:effectRef>
+              <a:fontRef idx="minor">
+                <a:schemeClr val="tx1"/>
+              </a:fontRef>
+            </p:style>
+          </p:cxnSp>
+          <p:cxnSp>
+            <p:nvCxnSpPr>
+              <p:cNvPr id="27" name="Straight Connector 43"/>
+              <p:cNvCxnSpPr/>
+              <p:nvPr/>
+            </p:nvCxnSpPr>
+            <p:spPr>
+              <a:xfrm flipH="1">
+                <a:off x="4562324" y="851693"/>
+                <a:ext cx="0" cy="1097668"/>
+              </a:xfrm>
+              <a:prstGeom prst="line">
+                <a:avLst/>
+              </a:prstGeom>
+              <a:ln w="6350" cap="flat" cmpd="sng" algn="ctr">
                 <a:solidFill>
-                  <a:srgbClr val="000000"/>
+                  <a:schemeClr val="bg1">
+                    <a:lumMod val="85000"/>
+                  </a:schemeClr>
                 </a:solidFill>
-                <a:miter lim="800000"/>
-                <a:headEnd/>
-                <a:tailEnd/>
-              </a14:hiddenLine>
-            </a:ext>
-          </a:extLst>
-        </p:spPr>
-        <p:txBody>
-          <a:bodyPr lIns="67355" tIns="33677" rIns="67355" bIns="33677">
-            <a:spAutoFit/>
-          </a:bodyPr>
-          <a:lstStyle>
-            <a:lvl1pPr defTabSz="336550" eaLnBrk="0" hangingPunct="0">
-              <a:defRPr sz="3800">
-                <a:solidFill>
-                  <a:srgbClr val="000000"/>
-                </a:solidFill>
-                <a:latin typeface="Gill Sans" charset="0"/>
-                <a:ea typeface="ヒラギノ角ゴ ProN W3" charset="-128"/>
-                <a:sym typeface="Gill Sans" charset="0"/>
-              </a:defRPr>
-            </a:lvl1pPr>
-            <a:lvl2pPr marL="547688" indent="-211138" defTabSz="336550" eaLnBrk="0" hangingPunct="0">
-              <a:defRPr sz="3800">
-                <a:solidFill>
-                  <a:srgbClr val="000000"/>
-                </a:solidFill>
-                <a:latin typeface="Gill Sans" charset="0"/>
-                <a:ea typeface="ヒラギノ角ゴ ProN W3" charset="-128"/>
-                <a:sym typeface="Gill Sans" charset="0"/>
-              </a:defRPr>
-            </a:lvl2pPr>
-            <a:lvl3pPr marL="841375" indent="-168275" defTabSz="336550" eaLnBrk="0" hangingPunct="0">
-              <a:defRPr sz="3800">
-                <a:solidFill>
-                  <a:srgbClr val="000000"/>
-                </a:solidFill>
-                <a:latin typeface="Gill Sans" charset="0"/>
-                <a:ea typeface="ヒラギノ角ゴ ProN W3" charset="-128"/>
-                <a:sym typeface="Gill Sans" charset="0"/>
-              </a:defRPr>
-            </a:lvl3pPr>
-            <a:lvl4pPr marL="1177925" indent="-168275" defTabSz="336550" eaLnBrk="0" hangingPunct="0">
-              <a:defRPr sz="3800">
-                <a:solidFill>
-                  <a:srgbClr val="000000"/>
-                </a:solidFill>
-                <a:latin typeface="Gill Sans" charset="0"/>
-                <a:ea typeface="ヒラギノ角ゴ ProN W3" charset="-128"/>
-                <a:sym typeface="Gill Sans" charset="0"/>
-              </a:defRPr>
-            </a:lvl4pPr>
-            <a:lvl5pPr marL="1516063" indent="-168275" defTabSz="336550" eaLnBrk="0" hangingPunct="0">
-              <a:defRPr sz="3800">
-                <a:solidFill>
-                  <a:srgbClr val="000000"/>
-                </a:solidFill>
-                <a:latin typeface="Gill Sans" charset="0"/>
-                <a:ea typeface="ヒラギノ角ゴ ProN W3" charset="-128"/>
-                <a:sym typeface="Gill Sans" charset="0"/>
-              </a:defRPr>
-            </a:lvl5pPr>
-            <a:lvl6pPr marL="1973263" indent="-168275" algn="ctr" defTabSz="336550" eaLnBrk="0" fontAlgn="base" hangingPunct="0">
-              <a:spcBef>
-                <a:spcPct val="0"/>
-              </a:spcBef>
-              <a:spcAft>
-                <a:spcPct val="0"/>
-              </a:spcAft>
-              <a:defRPr sz="3800">
-                <a:solidFill>
-                  <a:srgbClr val="000000"/>
-                </a:solidFill>
-                <a:latin typeface="Gill Sans" charset="0"/>
-                <a:ea typeface="ヒラギノ角ゴ ProN W3" charset="-128"/>
-                <a:sym typeface="Gill Sans" charset="0"/>
-              </a:defRPr>
-            </a:lvl6pPr>
-            <a:lvl7pPr marL="2430463" indent="-168275" algn="ctr" defTabSz="336550" eaLnBrk="0" fontAlgn="base" hangingPunct="0">
-              <a:spcBef>
-                <a:spcPct val="0"/>
-              </a:spcBef>
-              <a:spcAft>
-                <a:spcPct val="0"/>
-              </a:spcAft>
-              <a:defRPr sz="3800">
-                <a:solidFill>
-                  <a:srgbClr val="000000"/>
-                </a:solidFill>
-                <a:latin typeface="Gill Sans" charset="0"/>
-                <a:ea typeface="ヒラギノ角ゴ ProN W3" charset="-128"/>
-                <a:sym typeface="Gill Sans" charset="0"/>
-              </a:defRPr>
-            </a:lvl7pPr>
-            <a:lvl8pPr marL="2887663" indent="-168275" algn="ctr" defTabSz="336550" eaLnBrk="0" fontAlgn="base" hangingPunct="0">
-              <a:spcBef>
-                <a:spcPct val="0"/>
-              </a:spcBef>
-              <a:spcAft>
-                <a:spcPct val="0"/>
-              </a:spcAft>
-              <a:defRPr sz="3800">
-                <a:solidFill>
-                  <a:srgbClr val="000000"/>
-                </a:solidFill>
-                <a:latin typeface="Gill Sans" charset="0"/>
-                <a:ea typeface="ヒラギノ角ゴ ProN W3" charset="-128"/>
-                <a:sym typeface="Gill Sans" charset="0"/>
-              </a:defRPr>
-            </a:lvl8pPr>
-            <a:lvl9pPr marL="3344863" indent="-168275" algn="ctr" defTabSz="336550" eaLnBrk="0" fontAlgn="base" hangingPunct="0">
-              <a:spcBef>
-                <a:spcPct val="0"/>
-              </a:spcBef>
-              <a:spcAft>
-                <a:spcPct val="0"/>
-              </a:spcAft>
-              <a:defRPr sz="3800">
-                <a:solidFill>
-                  <a:srgbClr val="000000"/>
-                </a:solidFill>
-                <a:latin typeface="Gill Sans" charset="0"/>
-                <a:ea typeface="ヒラギノ角ゴ ProN W3" charset="-128"/>
-                <a:sym typeface="Gill Sans" charset="0"/>
-              </a:defRPr>
-            </a:lvl9pPr>
-          </a:lstStyle>
-          <a:p>
-            <a:pPr eaLnBrk="1" hangingPunct="1"/>
-            <a:r>
-              <a:rPr lang="de-CH" altLang="de-DE" sz="1300" b="1" dirty="0">
+                <a:prstDash val="solid"/>
+                <a:round/>
+                <a:headEnd type="none" w="med" len="med"/>
+                <a:tailEnd type="none" w="med" len="med"/>
+              </a:ln>
+              <a:effectLst/>
+            </p:spPr>
+            <p:style>
+              <a:lnRef idx="2">
+                <a:schemeClr val="accent1"/>
+              </a:lnRef>
+              <a:fillRef idx="0">
+                <a:schemeClr val="accent1"/>
+              </a:fillRef>
+              <a:effectRef idx="1">
+                <a:schemeClr val="accent1"/>
+              </a:effectRef>
+              <a:fontRef idx="minor">
+                <a:schemeClr val="tx1"/>
+              </a:fontRef>
+            </p:style>
+          </p:cxnSp>
+        </p:grpSp>
+        <p:sp>
+          <p:nvSpPr>
+            <p:cNvPr id="29" name="Rectangle 46"/>
+            <p:cNvSpPr>
+              <a:spLocks noChangeArrowheads="1"/>
+            </p:cNvSpPr>
+            <p:nvPr/>
+          </p:nvSpPr>
+          <p:spPr bwMode="auto">
+            <a:xfrm>
+              <a:off x="2541590" y="2012950"/>
+              <a:ext cx="1991082" cy="268067"/>
+            </a:xfrm>
+            <a:prstGeom prst="rect">
+              <a:avLst/>
+            </a:prstGeom>
+            <a:noFill/>
+            <a:ln>
+              <a:noFill/>
+            </a:ln>
+            <a:extLst>
+              <a:ext uri="{909E8E84-426E-40DD-AFC4-6F175D3DCCD1}">
+                <a14:hiddenFill xmlns:a14="http://schemas.microsoft.com/office/drawing/2010/main">
+                  <a:solidFill>
+                    <a:srgbClr val="FFFFFF"/>
+                  </a:solidFill>
+                </a14:hiddenFill>
+              </a:ext>
+              <a:ext uri="{91240B29-F687-4F45-9708-019B960494DF}">
+                <a14:hiddenLine xmlns:a14="http://schemas.microsoft.com/office/drawing/2010/main" w="9525">
+                  <a:solidFill>
+                    <a:srgbClr val="000000"/>
+                  </a:solidFill>
+                  <a:miter lim="800000"/>
+                  <a:headEnd/>
+                  <a:tailEnd/>
+                </a14:hiddenLine>
+              </a:ext>
+            </a:extLst>
+          </p:spPr>
+          <p:txBody>
+            <a:bodyPr wrap="square" lIns="67355" tIns="33677" rIns="67355" bIns="33677">
+              <a:spAutoFit/>
+            </a:bodyPr>
+            <a:lstStyle>
+              <a:lvl1pPr defTabSz="336550" eaLnBrk="0" hangingPunct="0">
+                <a:defRPr sz="3800">
+                  <a:solidFill>
+                    <a:srgbClr val="000000"/>
+                  </a:solidFill>
+                  <a:latin typeface="Gill Sans" charset="0"/>
+                  <a:ea typeface="ヒラギノ角ゴ ProN W3" charset="-128"/>
+                  <a:sym typeface="Gill Sans" charset="0"/>
+                </a:defRPr>
+              </a:lvl1pPr>
+              <a:lvl2pPr marL="547688" indent="-211138" defTabSz="336550" eaLnBrk="0" hangingPunct="0">
+                <a:defRPr sz="3800">
+                  <a:solidFill>
+                    <a:srgbClr val="000000"/>
+                  </a:solidFill>
+                  <a:latin typeface="Gill Sans" charset="0"/>
+                  <a:ea typeface="ヒラギノ角ゴ ProN W3" charset="-128"/>
+                  <a:sym typeface="Gill Sans" charset="0"/>
+                </a:defRPr>
+              </a:lvl2pPr>
+              <a:lvl3pPr marL="841375" indent="-168275" defTabSz="336550" eaLnBrk="0" hangingPunct="0">
+                <a:defRPr sz="3800">
+                  <a:solidFill>
+                    <a:srgbClr val="000000"/>
+                  </a:solidFill>
+                  <a:latin typeface="Gill Sans" charset="0"/>
+                  <a:ea typeface="ヒラギノ角ゴ ProN W3" charset="-128"/>
+                  <a:sym typeface="Gill Sans" charset="0"/>
+                </a:defRPr>
+              </a:lvl3pPr>
+              <a:lvl4pPr marL="1177925" indent="-168275" defTabSz="336550" eaLnBrk="0" hangingPunct="0">
+                <a:defRPr sz="3800">
+                  <a:solidFill>
+                    <a:srgbClr val="000000"/>
+                  </a:solidFill>
+                  <a:latin typeface="Gill Sans" charset="0"/>
+                  <a:ea typeface="ヒラギノ角ゴ ProN W3" charset="-128"/>
+                  <a:sym typeface="Gill Sans" charset="0"/>
+                </a:defRPr>
+              </a:lvl4pPr>
+              <a:lvl5pPr marL="1516063" indent="-168275" defTabSz="336550" eaLnBrk="0" hangingPunct="0">
+                <a:defRPr sz="3800">
+                  <a:solidFill>
+                    <a:srgbClr val="000000"/>
+                  </a:solidFill>
+                  <a:latin typeface="Gill Sans" charset="0"/>
+                  <a:ea typeface="ヒラギノ角ゴ ProN W3" charset="-128"/>
+                  <a:sym typeface="Gill Sans" charset="0"/>
+                </a:defRPr>
+              </a:lvl5pPr>
+              <a:lvl6pPr marL="1973263" indent="-168275" algn="ctr" defTabSz="336550" eaLnBrk="0" fontAlgn="base" hangingPunct="0">
+                <a:spcBef>
+                  <a:spcPct val="0"/>
+                </a:spcBef>
+                <a:spcAft>
+                  <a:spcPct val="0"/>
+                </a:spcAft>
+                <a:defRPr sz="3800">
+                  <a:solidFill>
+                    <a:srgbClr val="000000"/>
+                  </a:solidFill>
+                  <a:latin typeface="Gill Sans" charset="0"/>
+                  <a:ea typeface="ヒラギノ角ゴ ProN W3" charset="-128"/>
+                  <a:sym typeface="Gill Sans" charset="0"/>
+                </a:defRPr>
+              </a:lvl6pPr>
+              <a:lvl7pPr marL="2430463" indent="-168275" algn="ctr" defTabSz="336550" eaLnBrk="0" fontAlgn="base" hangingPunct="0">
+                <a:spcBef>
+                  <a:spcPct val="0"/>
+                </a:spcBef>
+                <a:spcAft>
+                  <a:spcPct val="0"/>
+                </a:spcAft>
+                <a:defRPr sz="3800">
+                  <a:solidFill>
+                    <a:srgbClr val="000000"/>
+                  </a:solidFill>
+                  <a:latin typeface="Gill Sans" charset="0"/>
+                  <a:ea typeface="ヒラギノ角ゴ ProN W3" charset="-128"/>
+                  <a:sym typeface="Gill Sans" charset="0"/>
+                </a:defRPr>
+              </a:lvl7pPr>
+              <a:lvl8pPr marL="2887663" indent="-168275" algn="ctr" defTabSz="336550" eaLnBrk="0" fontAlgn="base" hangingPunct="0">
+                <a:spcBef>
+                  <a:spcPct val="0"/>
+                </a:spcBef>
+                <a:spcAft>
+                  <a:spcPct val="0"/>
+                </a:spcAft>
+                <a:defRPr sz="3800">
+                  <a:solidFill>
+                    <a:srgbClr val="000000"/>
+                  </a:solidFill>
+                  <a:latin typeface="Gill Sans" charset="0"/>
+                  <a:ea typeface="ヒラギノ角ゴ ProN W3" charset="-128"/>
+                  <a:sym typeface="Gill Sans" charset="0"/>
+                </a:defRPr>
+              </a:lvl8pPr>
+              <a:lvl9pPr marL="3344863" indent="-168275" algn="ctr" defTabSz="336550" eaLnBrk="0" fontAlgn="base" hangingPunct="0">
+                <a:spcBef>
+                  <a:spcPct val="0"/>
+                </a:spcBef>
+                <a:spcAft>
+                  <a:spcPct val="0"/>
+                </a:spcAft>
+                <a:defRPr sz="3800">
+                  <a:solidFill>
+                    <a:srgbClr val="000000"/>
+                  </a:solidFill>
+                  <a:latin typeface="Gill Sans" charset="0"/>
+                  <a:ea typeface="ヒラギノ角ゴ ProN W3" charset="-128"/>
+                  <a:sym typeface="Gill Sans" charset="0"/>
+                </a:defRPr>
+              </a:lvl9pPr>
+            </a:lstStyle>
+            <a:p>
+              <a:pPr algn="ctr" eaLnBrk="1" hangingPunct="1"/>
+              <a:r>
+                <a:rPr lang="de-CH" altLang="de-DE" sz="1300" b="1" dirty="0">
+                  <a:solidFill>
+                    <a:srgbClr val="595959"/>
+                  </a:solidFill>
+                  <a:latin typeface="Arial" panose="020B0604020202020204" pitchFamily="34" charset="0"/>
+                  <a:ea typeface="ＭＳ Ｐゴシック" panose="020B0600070205080204" pitchFamily="34" charset="-128"/>
+                  <a:cs typeface="Arial" panose="020B0604020202020204" pitchFamily="34" charset="0"/>
+                </a:rPr>
+                <a:t>Prüfung </a:t>
+              </a:r>
+              <a:r>
+                <a:rPr lang="de-CH" altLang="de-DE" sz="1300" b="1" dirty="0" smtClean="0">
+                  <a:solidFill>
+                    <a:srgbClr val="595959"/>
+                  </a:solidFill>
+                  <a:latin typeface="Arial" panose="020B0604020202020204" pitchFamily="34" charset="0"/>
+                  <a:ea typeface="ＭＳ Ｐゴシック" panose="020B0600070205080204" pitchFamily="34" charset="-128"/>
+                  <a:cs typeface="Arial" panose="020B0604020202020204" pitchFamily="34" charset="0"/>
+                </a:rPr>
+                <a:t>durchführen</a:t>
+              </a:r>
+              <a:endParaRPr lang="de-CH" altLang="de-DE" sz="1300" b="1" dirty="0">
                 <a:solidFill>
                   <a:srgbClr val="595959"/>
                 </a:solidFill>
                 <a:latin typeface="Arial" panose="020B0604020202020204" pitchFamily="34" charset="0"/>
                 <a:ea typeface="ＭＳ Ｐゴシック" panose="020B0600070205080204" pitchFamily="34" charset="-128"/>
                 <a:cs typeface="Arial" panose="020B0604020202020204" pitchFamily="34" charset="0"/>
-              </a:rPr>
-              <a:t>Prüfung erstellen</a:t>
-            </a:r>
-          </a:p>
-        </p:txBody>
-      </p:sp>
-      <p:grpSp>
-        <p:nvGrpSpPr>
-          <p:cNvPr id="25" name="Group 38"/>
-          <p:cNvGrpSpPr>
-            <a:grpSpLocks/>
-          </p:cNvGrpSpPr>
-          <p:nvPr/>
-        </p:nvGrpSpPr>
-        <p:grpSpPr bwMode="auto">
-          <a:xfrm>
-            <a:off x="2541589" y="2022473"/>
-            <a:ext cx="1991082" cy="2715781"/>
-            <a:chOff x="2287816" y="851693"/>
-            <a:chExt cx="2274508" cy="1098226"/>
-          </a:xfrm>
-        </p:grpSpPr>
-        <p:cxnSp>
-          <p:nvCxnSpPr>
-            <p:cNvPr id="26" name="Straight Connector 42"/>
-            <p:cNvCxnSpPr/>
+              </a:endParaRPr>
+            </a:p>
+          </p:txBody>
+        </p:sp>
+        <p:sp>
+          <p:nvSpPr>
+            <p:cNvPr id="30" name="Rectangle 47"/>
+            <p:cNvSpPr>
+              <a:spLocks noChangeArrowheads="1"/>
+            </p:cNvSpPr>
             <p:nvPr/>
-          </p:nvCxnSpPr>
+          </p:nvSpPr>
+          <p:spPr bwMode="auto">
+            <a:xfrm>
+              <a:off x="4786313" y="2022474"/>
+              <a:ext cx="1535112" cy="268067"/>
+            </a:xfrm>
+            <a:prstGeom prst="rect">
+              <a:avLst/>
+            </a:prstGeom>
+            <a:noFill/>
+            <a:ln>
+              <a:noFill/>
+            </a:ln>
+            <a:extLst>
+              <a:ext uri="{909E8E84-426E-40DD-AFC4-6F175D3DCCD1}">
+                <a14:hiddenFill xmlns:a14="http://schemas.microsoft.com/office/drawing/2010/main">
+                  <a:solidFill>
+                    <a:srgbClr val="FFFFFF"/>
+                  </a:solidFill>
+                </a14:hiddenFill>
+              </a:ext>
+              <a:ext uri="{91240B29-F687-4F45-9708-019B960494DF}">
+                <a14:hiddenLine xmlns:a14="http://schemas.microsoft.com/office/drawing/2010/main" w="9525">
+                  <a:solidFill>
+                    <a:srgbClr val="000000"/>
+                  </a:solidFill>
+                  <a:miter lim="800000"/>
+                  <a:headEnd/>
+                  <a:tailEnd/>
+                </a14:hiddenLine>
+              </a:ext>
+            </a:extLst>
+          </p:spPr>
+          <p:txBody>
+            <a:bodyPr wrap="square" lIns="67355" tIns="33677" rIns="67355" bIns="33677">
+              <a:spAutoFit/>
+            </a:bodyPr>
+            <a:lstStyle>
+              <a:lvl1pPr defTabSz="336550" eaLnBrk="0" hangingPunct="0">
+                <a:defRPr sz="3800">
+                  <a:solidFill>
+                    <a:srgbClr val="000000"/>
+                  </a:solidFill>
+                  <a:latin typeface="Gill Sans" charset="0"/>
+                  <a:ea typeface="ヒラギノ角ゴ ProN W3" charset="-128"/>
+                  <a:sym typeface="Gill Sans" charset="0"/>
+                </a:defRPr>
+              </a:lvl1pPr>
+              <a:lvl2pPr marL="547688" indent="-211138" defTabSz="336550" eaLnBrk="0" hangingPunct="0">
+                <a:defRPr sz="3800">
+                  <a:solidFill>
+                    <a:srgbClr val="000000"/>
+                  </a:solidFill>
+                  <a:latin typeface="Gill Sans" charset="0"/>
+                  <a:ea typeface="ヒラギノ角ゴ ProN W3" charset="-128"/>
+                  <a:sym typeface="Gill Sans" charset="0"/>
+                </a:defRPr>
+              </a:lvl2pPr>
+              <a:lvl3pPr marL="841375" indent="-168275" defTabSz="336550" eaLnBrk="0" hangingPunct="0">
+                <a:defRPr sz="3800">
+                  <a:solidFill>
+                    <a:srgbClr val="000000"/>
+                  </a:solidFill>
+                  <a:latin typeface="Gill Sans" charset="0"/>
+                  <a:ea typeface="ヒラギノ角ゴ ProN W3" charset="-128"/>
+                  <a:sym typeface="Gill Sans" charset="0"/>
+                </a:defRPr>
+              </a:lvl3pPr>
+              <a:lvl4pPr marL="1177925" indent="-168275" defTabSz="336550" eaLnBrk="0" hangingPunct="0">
+                <a:defRPr sz="3800">
+                  <a:solidFill>
+                    <a:srgbClr val="000000"/>
+                  </a:solidFill>
+                  <a:latin typeface="Gill Sans" charset="0"/>
+                  <a:ea typeface="ヒラギノ角ゴ ProN W3" charset="-128"/>
+                  <a:sym typeface="Gill Sans" charset="0"/>
+                </a:defRPr>
+              </a:lvl4pPr>
+              <a:lvl5pPr marL="1516063" indent="-168275" defTabSz="336550" eaLnBrk="0" hangingPunct="0">
+                <a:defRPr sz="3800">
+                  <a:solidFill>
+                    <a:srgbClr val="000000"/>
+                  </a:solidFill>
+                  <a:latin typeface="Gill Sans" charset="0"/>
+                  <a:ea typeface="ヒラギノ角ゴ ProN W3" charset="-128"/>
+                  <a:sym typeface="Gill Sans" charset="0"/>
+                </a:defRPr>
+              </a:lvl5pPr>
+              <a:lvl6pPr marL="1973263" indent="-168275" algn="ctr" defTabSz="336550" eaLnBrk="0" fontAlgn="base" hangingPunct="0">
+                <a:spcBef>
+                  <a:spcPct val="0"/>
+                </a:spcBef>
+                <a:spcAft>
+                  <a:spcPct val="0"/>
+                </a:spcAft>
+                <a:defRPr sz="3800">
+                  <a:solidFill>
+                    <a:srgbClr val="000000"/>
+                  </a:solidFill>
+                  <a:latin typeface="Gill Sans" charset="0"/>
+                  <a:ea typeface="ヒラギノ角ゴ ProN W3" charset="-128"/>
+                  <a:sym typeface="Gill Sans" charset="0"/>
+                </a:defRPr>
+              </a:lvl6pPr>
+              <a:lvl7pPr marL="2430463" indent="-168275" algn="ctr" defTabSz="336550" eaLnBrk="0" fontAlgn="base" hangingPunct="0">
+                <a:spcBef>
+                  <a:spcPct val="0"/>
+                </a:spcBef>
+                <a:spcAft>
+                  <a:spcPct val="0"/>
+                </a:spcAft>
+                <a:defRPr sz="3800">
+                  <a:solidFill>
+                    <a:srgbClr val="000000"/>
+                  </a:solidFill>
+                  <a:latin typeface="Gill Sans" charset="0"/>
+                  <a:ea typeface="ヒラギノ角ゴ ProN W3" charset="-128"/>
+                  <a:sym typeface="Gill Sans" charset="0"/>
+                </a:defRPr>
+              </a:lvl7pPr>
+              <a:lvl8pPr marL="2887663" indent="-168275" algn="ctr" defTabSz="336550" eaLnBrk="0" fontAlgn="base" hangingPunct="0">
+                <a:spcBef>
+                  <a:spcPct val="0"/>
+                </a:spcBef>
+                <a:spcAft>
+                  <a:spcPct val="0"/>
+                </a:spcAft>
+                <a:defRPr sz="3800">
+                  <a:solidFill>
+                    <a:srgbClr val="000000"/>
+                  </a:solidFill>
+                  <a:latin typeface="Gill Sans" charset="0"/>
+                  <a:ea typeface="ヒラギノ角ゴ ProN W3" charset="-128"/>
+                  <a:sym typeface="Gill Sans" charset="0"/>
+                </a:defRPr>
+              </a:lvl8pPr>
+              <a:lvl9pPr marL="3344863" indent="-168275" algn="ctr" defTabSz="336550" eaLnBrk="0" fontAlgn="base" hangingPunct="0">
+                <a:spcBef>
+                  <a:spcPct val="0"/>
+                </a:spcBef>
+                <a:spcAft>
+                  <a:spcPct val="0"/>
+                </a:spcAft>
+                <a:defRPr sz="3800">
+                  <a:solidFill>
+                    <a:srgbClr val="000000"/>
+                  </a:solidFill>
+                  <a:latin typeface="Gill Sans" charset="0"/>
+                  <a:ea typeface="ヒラギノ角ゴ ProN W3" charset="-128"/>
+                  <a:sym typeface="Gill Sans" charset="0"/>
+                </a:defRPr>
+              </a:lvl9pPr>
+            </a:lstStyle>
+            <a:p>
+              <a:pPr algn="ctr" eaLnBrk="1" hangingPunct="1"/>
+              <a:r>
+                <a:rPr lang="de-CH" altLang="de-DE" sz="1300" b="1" dirty="0">
+                  <a:solidFill>
+                    <a:srgbClr val="595959"/>
+                  </a:solidFill>
+                  <a:latin typeface="Arial" panose="020B0604020202020204" pitchFamily="34" charset="0"/>
+                  <a:ea typeface="ＭＳ Ｐゴシック" panose="020B0600070205080204" pitchFamily="34" charset="-128"/>
+                  <a:cs typeface="Arial" panose="020B0604020202020204" pitchFamily="34" charset="0"/>
+                </a:rPr>
+                <a:t>Analysieren</a:t>
+              </a:r>
+            </a:p>
+          </p:txBody>
+        </p:sp>
+        <p:sp>
+          <p:nvSpPr>
+            <p:cNvPr id="32" name="Rounded Rectangular Callout 65"/>
+            <p:cNvSpPr/>
+            <p:nvPr/>
+          </p:nvSpPr>
           <p:spPr>
             <a:xfrm>
-              <a:off x="2287816" y="851693"/>
-              <a:ext cx="0" cy="1098226"/>
+              <a:off x="857250" y="3762375"/>
+              <a:ext cx="1535113" cy="901989"/>
             </a:xfrm>
-            <a:prstGeom prst="line">
-              <a:avLst/>
+            <a:prstGeom prst="wedgeRoundRectCallout">
+              <a:avLst>
+                <a:gd name="adj1" fmla="val -20396"/>
+                <a:gd name="adj2" fmla="val -66667"/>
+                <a:gd name="adj3" fmla="val 16667"/>
+              </a:avLst>
             </a:prstGeom>
-            <a:ln w="6350" cap="flat" cmpd="sng" algn="ctr">
+            <a:solidFill>
+              <a:schemeClr val="bg1"/>
+            </a:solidFill>
+            <a:ln w="3175" cap="flat" cmpd="sng" algn="ctr">
               <a:solidFill>
                 <a:schemeClr val="bg1">
-                  <a:lumMod val="85000"/>
+                  <a:lumMod val="75000"/>
                 </a:schemeClr>
               </a:solidFill>
               <a:prstDash val="solid"/>
-              <a:round/>
+              <a:miter lim="800000"/>
               <a:headEnd type="none" w="med" len="med"/>
               <a:tailEnd type="none" w="med" len="med"/>
             </a:ln>
-            <a:effectLst/>
+            <a:effectLst>
+              <a:outerShdw blurRad="63500" sx="102000" sy="102000" algn="ctr" rotWithShape="0">
+                <a:schemeClr val="tx1">
+                  <a:lumMod val="50000"/>
+                  <a:lumOff val="50000"/>
+                  <a:alpha val="43000"/>
+                </a:schemeClr>
+              </a:outerShdw>
+            </a:effectLst>
           </p:spPr>
-          <p:style>
-            <a:lnRef idx="2">
-              <a:schemeClr val="accent1"/>
-            </a:lnRef>
-            <a:fillRef idx="0">
-              <a:schemeClr val="accent1"/>
-            </a:fillRef>
-            <a:effectRef idx="1">
-              <a:schemeClr val="accent1"/>
-            </a:effectRef>
-            <a:fontRef idx="minor">
-              <a:schemeClr val="tx1"/>
-            </a:fontRef>
-          </p:style>
-        </p:cxnSp>
-        <p:cxnSp>
-          <p:nvCxnSpPr>
-            <p:cNvPr id="27" name="Straight Connector 43"/>
-            <p:cNvCxnSpPr/>
+          <p:txBody>
+            <a:bodyPr lIns="0" tIns="0" rIns="0" bIns="0"/>
+            <a:lstStyle>
+              <a:lvl1pPr defTabSz="336550" eaLnBrk="0" hangingPunct="0">
+                <a:defRPr sz="3800">
+                  <a:solidFill>
+                    <a:srgbClr val="000000"/>
+                  </a:solidFill>
+                  <a:latin typeface="Gill Sans" charset="0"/>
+                  <a:ea typeface="ヒラギノ角ゴ ProN W3" charset="-128"/>
+                  <a:sym typeface="Gill Sans" charset="0"/>
+                </a:defRPr>
+              </a:lvl1pPr>
+              <a:lvl2pPr marL="547688" indent="-211138" defTabSz="336550" eaLnBrk="0" hangingPunct="0">
+                <a:defRPr sz="3800">
+                  <a:solidFill>
+                    <a:srgbClr val="000000"/>
+                  </a:solidFill>
+                  <a:latin typeface="Gill Sans" charset="0"/>
+                  <a:ea typeface="ヒラギノ角ゴ ProN W3" charset="-128"/>
+                  <a:sym typeface="Gill Sans" charset="0"/>
+                </a:defRPr>
+              </a:lvl2pPr>
+              <a:lvl3pPr marL="841375" indent="-168275" defTabSz="336550" eaLnBrk="0" hangingPunct="0">
+                <a:defRPr sz="3800">
+                  <a:solidFill>
+                    <a:srgbClr val="000000"/>
+                  </a:solidFill>
+                  <a:latin typeface="Gill Sans" charset="0"/>
+                  <a:ea typeface="ヒラギノ角ゴ ProN W3" charset="-128"/>
+                  <a:sym typeface="Gill Sans" charset="0"/>
+                </a:defRPr>
+              </a:lvl3pPr>
+              <a:lvl4pPr marL="1177925" indent="-168275" defTabSz="336550" eaLnBrk="0" hangingPunct="0">
+                <a:defRPr sz="3800">
+                  <a:solidFill>
+                    <a:srgbClr val="000000"/>
+                  </a:solidFill>
+                  <a:latin typeface="Gill Sans" charset="0"/>
+                  <a:ea typeface="ヒラギノ角ゴ ProN W3" charset="-128"/>
+                  <a:sym typeface="Gill Sans" charset="0"/>
+                </a:defRPr>
+              </a:lvl4pPr>
+              <a:lvl5pPr marL="1516063" indent="-168275" defTabSz="336550" eaLnBrk="0" hangingPunct="0">
+                <a:defRPr sz="3800">
+                  <a:solidFill>
+                    <a:srgbClr val="000000"/>
+                  </a:solidFill>
+                  <a:latin typeface="Gill Sans" charset="0"/>
+                  <a:ea typeface="ヒラギノ角ゴ ProN W3" charset="-128"/>
+                  <a:sym typeface="Gill Sans" charset="0"/>
+                </a:defRPr>
+              </a:lvl5pPr>
+              <a:lvl6pPr marL="1973263" indent="-168275" algn="ctr" defTabSz="336550" eaLnBrk="0" fontAlgn="base" hangingPunct="0">
+                <a:spcBef>
+                  <a:spcPct val="0"/>
+                </a:spcBef>
+                <a:spcAft>
+                  <a:spcPct val="0"/>
+                </a:spcAft>
+                <a:defRPr sz="3800">
+                  <a:solidFill>
+                    <a:srgbClr val="000000"/>
+                  </a:solidFill>
+                  <a:latin typeface="Gill Sans" charset="0"/>
+                  <a:ea typeface="ヒラギノ角ゴ ProN W3" charset="-128"/>
+                  <a:sym typeface="Gill Sans" charset="0"/>
+                </a:defRPr>
+              </a:lvl6pPr>
+              <a:lvl7pPr marL="2430463" indent="-168275" algn="ctr" defTabSz="336550" eaLnBrk="0" fontAlgn="base" hangingPunct="0">
+                <a:spcBef>
+                  <a:spcPct val="0"/>
+                </a:spcBef>
+                <a:spcAft>
+                  <a:spcPct val="0"/>
+                </a:spcAft>
+                <a:defRPr sz="3800">
+                  <a:solidFill>
+                    <a:srgbClr val="000000"/>
+                  </a:solidFill>
+                  <a:latin typeface="Gill Sans" charset="0"/>
+                  <a:ea typeface="ヒラギノ角ゴ ProN W3" charset="-128"/>
+                  <a:sym typeface="Gill Sans" charset="0"/>
+                </a:defRPr>
+              </a:lvl7pPr>
+              <a:lvl8pPr marL="2887663" indent="-168275" algn="ctr" defTabSz="336550" eaLnBrk="0" fontAlgn="base" hangingPunct="0">
+                <a:spcBef>
+                  <a:spcPct val="0"/>
+                </a:spcBef>
+                <a:spcAft>
+                  <a:spcPct val="0"/>
+                </a:spcAft>
+                <a:defRPr sz="3800">
+                  <a:solidFill>
+                    <a:srgbClr val="000000"/>
+                  </a:solidFill>
+                  <a:latin typeface="Gill Sans" charset="0"/>
+                  <a:ea typeface="ヒラギノ角ゴ ProN W3" charset="-128"/>
+                  <a:sym typeface="Gill Sans" charset="0"/>
+                </a:defRPr>
+              </a:lvl8pPr>
+              <a:lvl9pPr marL="3344863" indent="-168275" algn="ctr" defTabSz="336550" eaLnBrk="0" fontAlgn="base" hangingPunct="0">
+                <a:spcBef>
+                  <a:spcPct val="0"/>
+                </a:spcBef>
+                <a:spcAft>
+                  <a:spcPct val="0"/>
+                </a:spcAft>
+                <a:defRPr sz="3800">
+                  <a:solidFill>
+                    <a:srgbClr val="000000"/>
+                  </a:solidFill>
+                  <a:latin typeface="Gill Sans" charset="0"/>
+                  <a:ea typeface="ヒラギノ角ゴ ProN W3" charset="-128"/>
+                  <a:sym typeface="Gill Sans" charset="0"/>
+                </a:defRPr>
+              </a:lvl9pPr>
+            </a:lstStyle>
+            <a:p>
+              <a:pPr eaLnBrk="1" hangingPunct="1"/>
+              <a:r>
+                <a:rPr lang="de-CH" altLang="de-DE" sz="1300" dirty="0">
+                  <a:solidFill>
+                    <a:srgbClr val="595959"/>
+                  </a:solidFill>
+                  <a:latin typeface="ITC Legacy Serif Std Medium"/>
+                  <a:ea typeface="ＭＳ Ｐゴシック" panose="020B0600070205080204" pitchFamily="34" charset="-128"/>
+                  <a:cs typeface="Arial" panose="020B0604020202020204" pitchFamily="34" charset="0"/>
+                </a:rPr>
+                <a:t>«Prüfungen zentral online erfassen, kollaborieren und ausdrucken»</a:t>
+              </a:r>
+            </a:p>
+          </p:txBody>
+        </p:sp>
+        <p:sp>
+          <p:nvSpPr>
+            <p:cNvPr id="33" name="Rounded Rectangular Callout 66"/>
+            <p:cNvSpPr/>
             <p:nvPr/>
-          </p:nvCxnSpPr>
+          </p:nvSpPr>
           <p:spPr>
-            <a:xfrm flipH="1">
-              <a:off x="4562324" y="851693"/>
-              <a:ext cx="0" cy="1097668"/>
+            <a:xfrm>
+              <a:off x="2814638" y="3762375"/>
+              <a:ext cx="1535112" cy="901989"/>
             </a:xfrm>
-            <a:prstGeom prst="line">
-              <a:avLst/>
+            <a:prstGeom prst="wedgeRoundRectCallout">
+              <a:avLst>
+                <a:gd name="adj1" fmla="val -20396"/>
+                <a:gd name="adj2" fmla="val -66667"/>
+                <a:gd name="adj3" fmla="val 16667"/>
+              </a:avLst>
             </a:prstGeom>
-            <a:ln w="6350" cap="flat" cmpd="sng" algn="ctr">
+            <a:solidFill>
+              <a:schemeClr val="bg1"/>
+            </a:solidFill>
+            <a:ln w="3175" cap="flat" cmpd="sng" algn="ctr">
               <a:solidFill>
                 <a:schemeClr val="bg1">
-                  <a:lumMod val="85000"/>
+                  <a:lumMod val="75000"/>
                 </a:schemeClr>
               </a:solidFill>
               <a:prstDash val="solid"/>
-              <a:round/>
+              <a:miter lim="800000"/>
               <a:headEnd type="none" w="med" len="med"/>
               <a:tailEnd type="none" w="med" len="med"/>
             </a:ln>
-            <a:effectLst/>
+            <a:effectLst>
+              <a:outerShdw blurRad="63500" sx="102000" sy="102000" algn="ctr" rotWithShape="0">
+                <a:schemeClr val="tx1">
+                  <a:lumMod val="50000"/>
+                  <a:lumOff val="50000"/>
+                  <a:alpha val="43000"/>
+                </a:schemeClr>
+              </a:outerShdw>
+            </a:effectLst>
           </p:spPr>
-          <p:style>
-            <a:lnRef idx="2">
-              <a:schemeClr val="accent1"/>
-            </a:lnRef>
-            <a:fillRef idx="0">
-              <a:schemeClr val="accent1"/>
-            </a:fillRef>
-            <a:effectRef idx="1">
-              <a:schemeClr val="accent1"/>
-            </a:effectRef>
-            <a:fontRef idx="minor">
-              <a:schemeClr val="tx1"/>
-            </a:fontRef>
-          </p:style>
-        </p:cxnSp>
+          <p:txBody>
+            <a:bodyPr lIns="0" tIns="0" rIns="0" bIns="0"/>
+            <a:lstStyle>
+              <a:lvl1pPr defTabSz="336550" eaLnBrk="0" hangingPunct="0">
+                <a:defRPr sz="3800">
+                  <a:solidFill>
+                    <a:srgbClr val="000000"/>
+                  </a:solidFill>
+                  <a:latin typeface="Gill Sans" charset="0"/>
+                  <a:ea typeface="ヒラギノ角ゴ ProN W3" charset="-128"/>
+                  <a:sym typeface="Gill Sans" charset="0"/>
+                </a:defRPr>
+              </a:lvl1pPr>
+              <a:lvl2pPr marL="547688" indent="-211138" defTabSz="336550" eaLnBrk="0" hangingPunct="0">
+                <a:defRPr sz="3800">
+                  <a:solidFill>
+                    <a:srgbClr val="000000"/>
+                  </a:solidFill>
+                  <a:latin typeface="Gill Sans" charset="0"/>
+                  <a:ea typeface="ヒラギノ角ゴ ProN W3" charset="-128"/>
+                  <a:sym typeface="Gill Sans" charset="0"/>
+                </a:defRPr>
+              </a:lvl2pPr>
+              <a:lvl3pPr marL="841375" indent="-168275" defTabSz="336550" eaLnBrk="0" hangingPunct="0">
+                <a:defRPr sz="3800">
+                  <a:solidFill>
+                    <a:srgbClr val="000000"/>
+                  </a:solidFill>
+                  <a:latin typeface="Gill Sans" charset="0"/>
+                  <a:ea typeface="ヒラギノ角ゴ ProN W3" charset="-128"/>
+                  <a:sym typeface="Gill Sans" charset="0"/>
+                </a:defRPr>
+              </a:lvl3pPr>
+              <a:lvl4pPr marL="1177925" indent="-168275" defTabSz="336550" eaLnBrk="0" hangingPunct="0">
+                <a:defRPr sz="3800">
+                  <a:solidFill>
+                    <a:srgbClr val="000000"/>
+                  </a:solidFill>
+                  <a:latin typeface="Gill Sans" charset="0"/>
+                  <a:ea typeface="ヒラギノ角ゴ ProN W3" charset="-128"/>
+                  <a:sym typeface="Gill Sans" charset="0"/>
+                </a:defRPr>
+              </a:lvl4pPr>
+              <a:lvl5pPr marL="1516063" indent="-168275" defTabSz="336550" eaLnBrk="0" hangingPunct="0">
+                <a:defRPr sz="3800">
+                  <a:solidFill>
+                    <a:srgbClr val="000000"/>
+                  </a:solidFill>
+                  <a:latin typeface="Gill Sans" charset="0"/>
+                  <a:ea typeface="ヒラギノ角ゴ ProN W3" charset="-128"/>
+                  <a:sym typeface="Gill Sans" charset="0"/>
+                </a:defRPr>
+              </a:lvl5pPr>
+              <a:lvl6pPr marL="1973263" indent="-168275" algn="ctr" defTabSz="336550" eaLnBrk="0" fontAlgn="base" hangingPunct="0">
+                <a:spcBef>
+                  <a:spcPct val="0"/>
+                </a:spcBef>
+                <a:spcAft>
+                  <a:spcPct val="0"/>
+                </a:spcAft>
+                <a:defRPr sz="3800">
+                  <a:solidFill>
+                    <a:srgbClr val="000000"/>
+                  </a:solidFill>
+                  <a:latin typeface="Gill Sans" charset="0"/>
+                  <a:ea typeface="ヒラギノ角ゴ ProN W3" charset="-128"/>
+                  <a:sym typeface="Gill Sans" charset="0"/>
+                </a:defRPr>
+              </a:lvl6pPr>
+              <a:lvl7pPr marL="2430463" indent="-168275" algn="ctr" defTabSz="336550" eaLnBrk="0" fontAlgn="base" hangingPunct="0">
+                <a:spcBef>
+                  <a:spcPct val="0"/>
+                </a:spcBef>
+                <a:spcAft>
+                  <a:spcPct val="0"/>
+                </a:spcAft>
+                <a:defRPr sz="3800">
+                  <a:solidFill>
+                    <a:srgbClr val="000000"/>
+                  </a:solidFill>
+                  <a:latin typeface="Gill Sans" charset="0"/>
+                  <a:ea typeface="ヒラギノ角ゴ ProN W3" charset="-128"/>
+                  <a:sym typeface="Gill Sans" charset="0"/>
+                </a:defRPr>
+              </a:lvl7pPr>
+              <a:lvl8pPr marL="2887663" indent="-168275" algn="ctr" defTabSz="336550" eaLnBrk="0" fontAlgn="base" hangingPunct="0">
+                <a:spcBef>
+                  <a:spcPct val="0"/>
+                </a:spcBef>
+                <a:spcAft>
+                  <a:spcPct val="0"/>
+                </a:spcAft>
+                <a:defRPr sz="3800">
+                  <a:solidFill>
+                    <a:srgbClr val="000000"/>
+                  </a:solidFill>
+                  <a:latin typeface="Gill Sans" charset="0"/>
+                  <a:ea typeface="ヒラギノ角ゴ ProN W3" charset="-128"/>
+                  <a:sym typeface="Gill Sans" charset="0"/>
+                </a:defRPr>
+              </a:lvl8pPr>
+              <a:lvl9pPr marL="3344863" indent="-168275" algn="ctr" defTabSz="336550" eaLnBrk="0" fontAlgn="base" hangingPunct="0">
+                <a:spcBef>
+                  <a:spcPct val="0"/>
+                </a:spcBef>
+                <a:spcAft>
+                  <a:spcPct val="0"/>
+                </a:spcAft>
+                <a:defRPr sz="3800">
+                  <a:solidFill>
+                    <a:srgbClr val="000000"/>
+                  </a:solidFill>
+                  <a:latin typeface="Gill Sans" charset="0"/>
+                  <a:ea typeface="ヒラギノ角ゴ ProN W3" charset="-128"/>
+                  <a:sym typeface="Gill Sans" charset="0"/>
+                </a:defRPr>
+              </a:lvl9pPr>
+            </a:lstStyle>
+            <a:p>
+              <a:pPr eaLnBrk="1" hangingPunct="1"/>
+              <a:r>
+                <a:rPr lang="de-CH" altLang="de-DE" sz="1300" dirty="0">
+                  <a:solidFill>
+                    <a:srgbClr val="595959"/>
+                  </a:solidFill>
+                  <a:latin typeface="ITC Legacy Serif Std Medium"/>
+                  <a:ea typeface="ＭＳ Ｐゴシック" panose="020B0600070205080204" pitchFamily="34" charset="-128"/>
+                  <a:cs typeface="Arial" panose="020B0604020202020204" pitchFamily="34" charset="0"/>
+                </a:rPr>
+                <a:t>«Prüfung durchführen, scannen, online auswerten»</a:t>
+              </a:r>
+            </a:p>
+          </p:txBody>
+        </p:sp>
+        <p:sp>
+          <p:nvSpPr>
+            <p:cNvPr id="34" name="Rounded Rectangular Callout 67"/>
+            <p:cNvSpPr/>
+            <p:nvPr/>
+          </p:nvSpPr>
+          <p:spPr>
+            <a:xfrm>
+              <a:off x="4786313" y="3762375"/>
+              <a:ext cx="1535112" cy="901989"/>
+            </a:xfrm>
+            <a:prstGeom prst="wedgeRoundRectCallout">
+              <a:avLst>
+                <a:gd name="adj1" fmla="val -20396"/>
+                <a:gd name="adj2" fmla="val -66667"/>
+                <a:gd name="adj3" fmla="val 16667"/>
+              </a:avLst>
+            </a:prstGeom>
+            <a:solidFill>
+              <a:schemeClr val="bg1"/>
+            </a:solidFill>
+            <a:ln w="3175" cap="flat" cmpd="sng" algn="ctr">
+              <a:solidFill>
+                <a:schemeClr val="bg1">
+                  <a:lumMod val="75000"/>
+                </a:schemeClr>
+              </a:solidFill>
+              <a:prstDash val="solid"/>
+              <a:miter lim="800000"/>
+              <a:headEnd type="none" w="med" len="med"/>
+              <a:tailEnd type="none" w="med" len="med"/>
+            </a:ln>
+            <a:effectLst>
+              <a:outerShdw blurRad="63500" sx="102000" sy="102000" algn="ctr" rotWithShape="0">
+                <a:schemeClr val="tx1">
+                  <a:lumMod val="50000"/>
+                  <a:lumOff val="50000"/>
+                  <a:alpha val="43000"/>
+                </a:schemeClr>
+              </a:outerShdw>
+            </a:effectLst>
+          </p:spPr>
+          <p:txBody>
+            <a:bodyPr lIns="0" tIns="0" rIns="0" bIns="0"/>
+            <a:lstStyle>
+              <a:lvl1pPr defTabSz="336550" eaLnBrk="0" hangingPunct="0">
+                <a:defRPr sz="3800">
+                  <a:solidFill>
+                    <a:srgbClr val="000000"/>
+                  </a:solidFill>
+                  <a:latin typeface="Gill Sans" charset="0"/>
+                  <a:ea typeface="ヒラギノ角ゴ ProN W3" charset="-128"/>
+                  <a:sym typeface="Gill Sans" charset="0"/>
+                </a:defRPr>
+              </a:lvl1pPr>
+              <a:lvl2pPr marL="547688" indent="-211138" defTabSz="336550" eaLnBrk="0" hangingPunct="0">
+                <a:defRPr sz="3800">
+                  <a:solidFill>
+                    <a:srgbClr val="000000"/>
+                  </a:solidFill>
+                  <a:latin typeface="Gill Sans" charset="0"/>
+                  <a:ea typeface="ヒラギノ角ゴ ProN W3" charset="-128"/>
+                  <a:sym typeface="Gill Sans" charset="0"/>
+                </a:defRPr>
+              </a:lvl2pPr>
+              <a:lvl3pPr marL="841375" indent="-168275" defTabSz="336550" eaLnBrk="0" hangingPunct="0">
+                <a:defRPr sz="3800">
+                  <a:solidFill>
+                    <a:srgbClr val="000000"/>
+                  </a:solidFill>
+                  <a:latin typeface="Gill Sans" charset="0"/>
+                  <a:ea typeface="ヒラギノ角ゴ ProN W3" charset="-128"/>
+                  <a:sym typeface="Gill Sans" charset="0"/>
+                </a:defRPr>
+              </a:lvl3pPr>
+              <a:lvl4pPr marL="1177925" indent="-168275" defTabSz="336550" eaLnBrk="0" hangingPunct="0">
+                <a:defRPr sz="3800">
+                  <a:solidFill>
+                    <a:srgbClr val="000000"/>
+                  </a:solidFill>
+                  <a:latin typeface="Gill Sans" charset="0"/>
+                  <a:ea typeface="ヒラギノ角ゴ ProN W3" charset="-128"/>
+                  <a:sym typeface="Gill Sans" charset="0"/>
+                </a:defRPr>
+              </a:lvl4pPr>
+              <a:lvl5pPr marL="1516063" indent="-168275" defTabSz="336550" eaLnBrk="0" hangingPunct="0">
+                <a:defRPr sz="3800">
+                  <a:solidFill>
+                    <a:srgbClr val="000000"/>
+                  </a:solidFill>
+                  <a:latin typeface="Gill Sans" charset="0"/>
+                  <a:ea typeface="ヒラギノ角ゴ ProN W3" charset="-128"/>
+                  <a:sym typeface="Gill Sans" charset="0"/>
+                </a:defRPr>
+              </a:lvl5pPr>
+              <a:lvl6pPr marL="1973263" indent="-168275" algn="ctr" defTabSz="336550" eaLnBrk="0" fontAlgn="base" hangingPunct="0">
+                <a:spcBef>
+                  <a:spcPct val="0"/>
+                </a:spcBef>
+                <a:spcAft>
+                  <a:spcPct val="0"/>
+                </a:spcAft>
+                <a:defRPr sz="3800">
+                  <a:solidFill>
+                    <a:srgbClr val="000000"/>
+                  </a:solidFill>
+                  <a:latin typeface="Gill Sans" charset="0"/>
+                  <a:ea typeface="ヒラギノ角ゴ ProN W3" charset="-128"/>
+                  <a:sym typeface="Gill Sans" charset="0"/>
+                </a:defRPr>
+              </a:lvl6pPr>
+              <a:lvl7pPr marL="2430463" indent="-168275" algn="ctr" defTabSz="336550" eaLnBrk="0" fontAlgn="base" hangingPunct="0">
+                <a:spcBef>
+                  <a:spcPct val="0"/>
+                </a:spcBef>
+                <a:spcAft>
+                  <a:spcPct val="0"/>
+                </a:spcAft>
+                <a:defRPr sz="3800">
+                  <a:solidFill>
+                    <a:srgbClr val="000000"/>
+                  </a:solidFill>
+                  <a:latin typeface="Gill Sans" charset="0"/>
+                  <a:ea typeface="ヒラギノ角ゴ ProN W3" charset="-128"/>
+                  <a:sym typeface="Gill Sans" charset="0"/>
+                </a:defRPr>
+              </a:lvl7pPr>
+              <a:lvl8pPr marL="2887663" indent="-168275" algn="ctr" defTabSz="336550" eaLnBrk="0" fontAlgn="base" hangingPunct="0">
+                <a:spcBef>
+                  <a:spcPct val="0"/>
+                </a:spcBef>
+                <a:spcAft>
+                  <a:spcPct val="0"/>
+                </a:spcAft>
+                <a:defRPr sz="3800">
+                  <a:solidFill>
+                    <a:srgbClr val="000000"/>
+                  </a:solidFill>
+                  <a:latin typeface="Gill Sans" charset="0"/>
+                  <a:ea typeface="ヒラギノ角ゴ ProN W3" charset="-128"/>
+                  <a:sym typeface="Gill Sans" charset="0"/>
+                </a:defRPr>
+              </a:lvl8pPr>
+              <a:lvl9pPr marL="3344863" indent="-168275" algn="ctr" defTabSz="336550" eaLnBrk="0" fontAlgn="base" hangingPunct="0">
+                <a:spcBef>
+                  <a:spcPct val="0"/>
+                </a:spcBef>
+                <a:spcAft>
+                  <a:spcPct val="0"/>
+                </a:spcAft>
+                <a:defRPr sz="3800">
+                  <a:solidFill>
+                    <a:srgbClr val="000000"/>
+                  </a:solidFill>
+                  <a:latin typeface="Gill Sans" charset="0"/>
+                  <a:ea typeface="ヒラギノ角ゴ ProN W3" charset="-128"/>
+                  <a:sym typeface="Gill Sans" charset="0"/>
+                </a:defRPr>
+              </a:lvl9pPr>
+            </a:lstStyle>
+            <a:p>
+              <a:pPr eaLnBrk="1" hangingPunct="1"/>
+              <a:r>
+                <a:rPr lang="de-CH" altLang="de-DE" sz="1300" dirty="0">
+                  <a:solidFill>
+                    <a:srgbClr val="595959"/>
+                  </a:solidFill>
+                  <a:latin typeface="ITC Legacy Serif Std Medium"/>
+                  <a:ea typeface="ＭＳ Ｐゴシック" panose="020B0600070205080204" pitchFamily="34" charset="-128"/>
+                  <a:cs typeface="Arial" panose="020B0604020202020204" pitchFamily="34" charset="0"/>
+                </a:rPr>
+                <a:t>«</a:t>
+              </a:r>
+              <a:r>
+                <a:rPr lang="de-CH" altLang="de-DE" sz="1300" dirty="0" err="1">
+                  <a:solidFill>
+                    <a:srgbClr val="595959"/>
+                  </a:solidFill>
+                  <a:latin typeface="ITC Legacy Serif Std Medium"/>
+                  <a:ea typeface="ＭＳ Ｐゴシック" panose="020B0600070205080204" pitchFamily="34" charset="-128"/>
+                  <a:cs typeface="Arial" panose="020B0604020202020204" pitchFamily="34" charset="0"/>
+                </a:rPr>
+                <a:t>Aufgabendurchfüh-rung</a:t>
+              </a:r>
+              <a:r>
+                <a:rPr lang="de-CH" altLang="de-DE" sz="1300" dirty="0">
+                  <a:solidFill>
+                    <a:srgbClr val="595959"/>
+                  </a:solidFill>
+                  <a:latin typeface="ITC Legacy Serif Std Medium"/>
+                  <a:ea typeface="ＭＳ Ｐゴシック" panose="020B0600070205080204" pitchFamily="34" charset="-128"/>
+                  <a:cs typeface="Arial" panose="020B0604020202020204" pitchFamily="34" charset="0"/>
+                </a:rPr>
+                <a:t> analysieren und Schlüsse für Unterricht ziehen»</a:t>
+              </a:r>
+            </a:p>
+          </p:txBody>
+        </p:sp>
+        <p:pic>
+          <p:nvPicPr>
+            <p:cNvPr id="39" name="Grafik 38"/>
+            <p:cNvPicPr>
+              <a:picLocks noChangeAspect="1"/>
+            </p:cNvPicPr>
+            <p:nvPr/>
+          </p:nvPicPr>
+          <p:blipFill>
+            <a:blip r:embed="rId3">
+              <a:extLst>
+                <a:ext uri="{28A0092B-C50C-407E-A947-70E740481C1C}">
+                  <a14:useLocalDpi xmlns:a14="http://schemas.microsoft.com/office/drawing/2010/main" val="0"/>
+                </a:ext>
+              </a:extLst>
+            </a:blip>
+            <a:stretch>
+              <a:fillRect/>
+            </a:stretch>
+          </p:blipFill>
+          <p:spPr>
+            <a:xfrm>
+              <a:off x="4914903" y="2358230"/>
+              <a:ext cx="1219200" cy="1219200"/>
+            </a:xfrm>
+            <a:prstGeom prst="rect">
+              <a:avLst/>
+            </a:prstGeom>
+          </p:spPr>
+        </p:pic>
+        <p:pic>
+          <p:nvPicPr>
+            <p:cNvPr id="41" name="Grafik 40"/>
+            <p:cNvPicPr>
+              <a:picLocks noChangeAspect="1"/>
+            </p:cNvPicPr>
+            <p:nvPr/>
+          </p:nvPicPr>
+          <p:blipFill>
+            <a:blip r:embed="rId4">
+              <a:extLst>
+                <a:ext uri="{28A0092B-C50C-407E-A947-70E740481C1C}">
+                  <a14:useLocalDpi xmlns:a14="http://schemas.microsoft.com/office/drawing/2010/main" val="0"/>
+                </a:ext>
+              </a:extLst>
+            </a:blip>
+            <a:stretch>
+              <a:fillRect/>
+            </a:stretch>
+          </p:blipFill>
+          <p:spPr>
+            <a:xfrm>
+              <a:off x="947087" y="2290541"/>
+              <a:ext cx="1219200" cy="1219200"/>
+            </a:xfrm>
+            <a:prstGeom prst="rect">
+              <a:avLst/>
+            </a:prstGeom>
+          </p:spPr>
+        </p:pic>
+        <p:pic>
+          <p:nvPicPr>
+            <p:cNvPr id="43" name="Grafik 42"/>
+            <p:cNvPicPr>
+              <a:picLocks noChangeAspect="1"/>
+            </p:cNvPicPr>
+            <p:nvPr/>
+          </p:nvPicPr>
+          <p:blipFill>
+            <a:blip r:embed="rId5">
+              <a:extLst>
+                <a:ext uri="{28A0092B-C50C-407E-A947-70E740481C1C}">
+                  <a14:useLocalDpi xmlns:a14="http://schemas.microsoft.com/office/drawing/2010/main" val="0"/>
+                </a:ext>
+              </a:extLst>
+            </a:blip>
+            <a:stretch>
+              <a:fillRect/>
+            </a:stretch>
+          </p:blipFill>
+          <p:spPr>
+            <a:xfrm>
+              <a:off x="2830771" y="2278063"/>
+              <a:ext cx="1219200" cy="1219200"/>
+            </a:xfrm>
+            <a:prstGeom prst="rect">
+              <a:avLst/>
+            </a:prstGeom>
+          </p:spPr>
+        </p:pic>
       </p:grpSp>
-      <p:sp>
-        <p:nvSpPr>
-          <p:cNvPr id="29" name="Rectangle 46"/>
-          <p:cNvSpPr>
-            <a:spLocks noChangeArrowheads="1"/>
-          </p:cNvSpPr>
-          <p:nvPr/>
-        </p:nvSpPr>
-        <p:spPr bwMode="auto">
-          <a:xfrm>
-            <a:off x="2733676" y="2012950"/>
-            <a:ext cx="1658937" cy="268067"/>
-          </a:xfrm>
-          <a:prstGeom prst="rect">
-            <a:avLst/>
-          </a:prstGeom>
-          <a:noFill/>
-          <a:ln>
-            <a:noFill/>
-          </a:ln>
-          <a:extLst>
-            <a:ext uri="{909E8E84-426E-40DD-AFC4-6F175D3DCCD1}">
-              <a14:hiddenFill xmlns:a14="http://schemas.microsoft.com/office/drawing/2010/main">
-                <a:solidFill>
-                  <a:srgbClr val="FFFFFF"/>
-                </a:solidFill>
-              </a14:hiddenFill>
-            </a:ext>
-            <a:ext uri="{91240B29-F687-4F45-9708-019B960494DF}">
-              <a14:hiddenLine xmlns:a14="http://schemas.microsoft.com/office/drawing/2010/main" w="9525">
-                <a:solidFill>
-                  <a:srgbClr val="000000"/>
-                </a:solidFill>
-                <a:miter lim="800000"/>
-                <a:headEnd/>
-                <a:tailEnd/>
-              </a14:hiddenLine>
-            </a:ext>
-          </a:extLst>
-        </p:spPr>
-        <p:txBody>
-          <a:bodyPr wrap="square" lIns="67355" tIns="33677" rIns="67355" bIns="33677">
-            <a:spAutoFit/>
-          </a:bodyPr>
-          <a:lstStyle>
-            <a:lvl1pPr defTabSz="336550" eaLnBrk="0" hangingPunct="0">
-              <a:defRPr sz="3800">
-                <a:solidFill>
-                  <a:srgbClr val="000000"/>
-                </a:solidFill>
-                <a:latin typeface="Gill Sans" charset="0"/>
-                <a:ea typeface="ヒラギノ角ゴ ProN W3" charset="-128"/>
-                <a:sym typeface="Gill Sans" charset="0"/>
-              </a:defRPr>
-            </a:lvl1pPr>
-            <a:lvl2pPr marL="547688" indent="-211138" defTabSz="336550" eaLnBrk="0" hangingPunct="0">
-              <a:defRPr sz="3800">
-                <a:solidFill>
-                  <a:srgbClr val="000000"/>
-                </a:solidFill>
-                <a:latin typeface="Gill Sans" charset="0"/>
-                <a:ea typeface="ヒラギノ角ゴ ProN W3" charset="-128"/>
-                <a:sym typeface="Gill Sans" charset="0"/>
-              </a:defRPr>
-            </a:lvl2pPr>
-            <a:lvl3pPr marL="841375" indent="-168275" defTabSz="336550" eaLnBrk="0" hangingPunct="0">
-              <a:defRPr sz="3800">
-                <a:solidFill>
-                  <a:srgbClr val="000000"/>
-                </a:solidFill>
-                <a:latin typeface="Gill Sans" charset="0"/>
-                <a:ea typeface="ヒラギノ角ゴ ProN W3" charset="-128"/>
-                <a:sym typeface="Gill Sans" charset="0"/>
-              </a:defRPr>
-            </a:lvl3pPr>
-            <a:lvl4pPr marL="1177925" indent="-168275" defTabSz="336550" eaLnBrk="0" hangingPunct="0">
-              <a:defRPr sz="3800">
-                <a:solidFill>
-                  <a:srgbClr val="000000"/>
-                </a:solidFill>
-                <a:latin typeface="Gill Sans" charset="0"/>
-                <a:ea typeface="ヒラギノ角ゴ ProN W3" charset="-128"/>
-                <a:sym typeface="Gill Sans" charset="0"/>
-              </a:defRPr>
-            </a:lvl4pPr>
-            <a:lvl5pPr marL="1516063" indent="-168275" defTabSz="336550" eaLnBrk="0" hangingPunct="0">
-              <a:defRPr sz="3800">
-                <a:solidFill>
-                  <a:srgbClr val="000000"/>
-                </a:solidFill>
-                <a:latin typeface="Gill Sans" charset="0"/>
-                <a:ea typeface="ヒラギノ角ゴ ProN W3" charset="-128"/>
-                <a:sym typeface="Gill Sans" charset="0"/>
-              </a:defRPr>
-            </a:lvl5pPr>
-            <a:lvl6pPr marL="1973263" indent="-168275" algn="ctr" defTabSz="336550" eaLnBrk="0" fontAlgn="base" hangingPunct="0">
-              <a:spcBef>
-                <a:spcPct val="0"/>
-              </a:spcBef>
-              <a:spcAft>
-                <a:spcPct val="0"/>
-              </a:spcAft>
-              <a:defRPr sz="3800">
-                <a:solidFill>
-                  <a:srgbClr val="000000"/>
-                </a:solidFill>
-                <a:latin typeface="Gill Sans" charset="0"/>
-                <a:ea typeface="ヒラギノ角ゴ ProN W3" charset="-128"/>
-                <a:sym typeface="Gill Sans" charset="0"/>
-              </a:defRPr>
-            </a:lvl6pPr>
-            <a:lvl7pPr marL="2430463" indent="-168275" algn="ctr" defTabSz="336550" eaLnBrk="0" fontAlgn="base" hangingPunct="0">
-              <a:spcBef>
-                <a:spcPct val="0"/>
-              </a:spcBef>
-              <a:spcAft>
-                <a:spcPct val="0"/>
-              </a:spcAft>
-              <a:defRPr sz="3800">
-                <a:solidFill>
-                  <a:srgbClr val="000000"/>
-                </a:solidFill>
-                <a:latin typeface="Gill Sans" charset="0"/>
-                <a:ea typeface="ヒラギノ角ゴ ProN W3" charset="-128"/>
-                <a:sym typeface="Gill Sans" charset="0"/>
-              </a:defRPr>
-            </a:lvl7pPr>
-            <a:lvl8pPr marL="2887663" indent="-168275" algn="ctr" defTabSz="336550" eaLnBrk="0" fontAlgn="base" hangingPunct="0">
-              <a:spcBef>
-                <a:spcPct val="0"/>
-              </a:spcBef>
-              <a:spcAft>
-                <a:spcPct val="0"/>
-              </a:spcAft>
-              <a:defRPr sz="3800">
-                <a:solidFill>
-                  <a:srgbClr val="000000"/>
-                </a:solidFill>
-                <a:latin typeface="Gill Sans" charset="0"/>
-                <a:ea typeface="ヒラギノ角ゴ ProN W3" charset="-128"/>
-                <a:sym typeface="Gill Sans" charset="0"/>
-              </a:defRPr>
-            </a:lvl8pPr>
-            <a:lvl9pPr marL="3344863" indent="-168275" algn="ctr" defTabSz="336550" eaLnBrk="0" fontAlgn="base" hangingPunct="0">
-              <a:spcBef>
-                <a:spcPct val="0"/>
-              </a:spcBef>
-              <a:spcAft>
-                <a:spcPct val="0"/>
-              </a:spcAft>
-              <a:defRPr sz="3800">
-                <a:solidFill>
-                  <a:srgbClr val="000000"/>
-                </a:solidFill>
-                <a:latin typeface="Gill Sans" charset="0"/>
-                <a:ea typeface="ヒラギノ角ゴ ProN W3" charset="-128"/>
-                <a:sym typeface="Gill Sans" charset="0"/>
-              </a:defRPr>
-            </a:lvl9pPr>
-          </a:lstStyle>
-          <a:p>
-            <a:pPr eaLnBrk="1" hangingPunct="1"/>
-            <a:r>
-              <a:rPr lang="de-CH" altLang="de-DE" sz="1300" b="1" dirty="0">
-                <a:solidFill>
-                  <a:srgbClr val="595959"/>
-                </a:solidFill>
-                <a:latin typeface="Arial" panose="020B0604020202020204" pitchFamily="34" charset="0"/>
-                <a:ea typeface="ＭＳ Ｐゴシック" panose="020B0600070205080204" pitchFamily="34" charset="-128"/>
-                <a:cs typeface="Arial" panose="020B0604020202020204" pitchFamily="34" charset="0"/>
-              </a:rPr>
-              <a:t>Prüfung auswerten</a:t>
-            </a:r>
-          </a:p>
-        </p:txBody>
-      </p:sp>
-      <p:sp>
-        <p:nvSpPr>
-          <p:cNvPr id="30" name="Rectangle 47"/>
-          <p:cNvSpPr>
-            <a:spLocks noChangeArrowheads="1"/>
-          </p:cNvSpPr>
-          <p:nvPr/>
-        </p:nvSpPr>
-        <p:spPr bwMode="auto">
-          <a:xfrm>
-            <a:off x="4770438" y="2022474"/>
-            <a:ext cx="1627187" cy="268067"/>
-          </a:xfrm>
-          <a:prstGeom prst="rect">
-            <a:avLst/>
-          </a:prstGeom>
-          <a:noFill/>
-          <a:ln>
-            <a:noFill/>
-          </a:ln>
-          <a:extLst>
-            <a:ext uri="{909E8E84-426E-40DD-AFC4-6F175D3DCCD1}">
-              <a14:hiddenFill xmlns:a14="http://schemas.microsoft.com/office/drawing/2010/main">
-                <a:solidFill>
-                  <a:srgbClr val="FFFFFF"/>
-                </a:solidFill>
-              </a14:hiddenFill>
-            </a:ext>
-            <a:ext uri="{91240B29-F687-4F45-9708-019B960494DF}">
-              <a14:hiddenLine xmlns:a14="http://schemas.microsoft.com/office/drawing/2010/main" w="9525">
-                <a:solidFill>
-                  <a:srgbClr val="000000"/>
-                </a:solidFill>
-                <a:miter lim="800000"/>
-                <a:headEnd/>
-                <a:tailEnd/>
-              </a14:hiddenLine>
-            </a:ext>
-          </a:extLst>
-        </p:spPr>
-        <p:txBody>
-          <a:bodyPr lIns="67355" tIns="33677" rIns="67355" bIns="33677">
-            <a:spAutoFit/>
-          </a:bodyPr>
-          <a:lstStyle>
-            <a:lvl1pPr defTabSz="336550" eaLnBrk="0" hangingPunct="0">
-              <a:defRPr sz="3800">
-                <a:solidFill>
-                  <a:srgbClr val="000000"/>
-                </a:solidFill>
-                <a:latin typeface="Gill Sans" charset="0"/>
-                <a:ea typeface="ヒラギノ角ゴ ProN W3" charset="-128"/>
-                <a:sym typeface="Gill Sans" charset="0"/>
-              </a:defRPr>
-            </a:lvl1pPr>
-            <a:lvl2pPr marL="547688" indent="-211138" defTabSz="336550" eaLnBrk="0" hangingPunct="0">
-              <a:defRPr sz="3800">
-                <a:solidFill>
-                  <a:srgbClr val="000000"/>
-                </a:solidFill>
-                <a:latin typeface="Gill Sans" charset="0"/>
-                <a:ea typeface="ヒラギノ角ゴ ProN W3" charset="-128"/>
-                <a:sym typeface="Gill Sans" charset="0"/>
-              </a:defRPr>
-            </a:lvl2pPr>
-            <a:lvl3pPr marL="841375" indent="-168275" defTabSz="336550" eaLnBrk="0" hangingPunct="0">
-              <a:defRPr sz="3800">
-                <a:solidFill>
-                  <a:srgbClr val="000000"/>
-                </a:solidFill>
-                <a:latin typeface="Gill Sans" charset="0"/>
-                <a:ea typeface="ヒラギノ角ゴ ProN W3" charset="-128"/>
-                <a:sym typeface="Gill Sans" charset="0"/>
-              </a:defRPr>
-            </a:lvl3pPr>
-            <a:lvl4pPr marL="1177925" indent="-168275" defTabSz="336550" eaLnBrk="0" hangingPunct="0">
-              <a:defRPr sz="3800">
-                <a:solidFill>
-                  <a:srgbClr val="000000"/>
-                </a:solidFill>
-                <a:latin typeface="Gill Sans" charset="0"/>
-                <a:ea typeface="ヒラギノ角ゴ ProN W3" charset="-128"/>
-                <a:sym typeface="Gill Sans" charset="0"/>
-              </a:defRPr>
-            </a:lvl4pPr>
-            <a:lvl5pPr marL="1516063" indent="-168275" defTabSz="336550" eaLnBrk="0" hangingPunct="0">
-              <a:defRPr sz="3800">
-                <a:solidFill>
-                  <a:srgbClr val="000000"/>
-                </a:solidFill>
-                <a:latin typeface="Gill Sans" charset="0"/>
-                <a:ea typeface="ヒラギノ角ゴ ProN W3" charset="-128"/>
-                <a:sym typeface="Gill Sans" charset="0"/>
-              </a:defRPr>
-            </a:lvl5pPr>
-            <a:lvl6pPr marL="1973263" indent="-168275" algn="ctr" defTabSz="336550" eaLnBrk="0" fontAlgn="base" hangingPunct="0">
-              <a:spcBef>
-                <a:spcPct val="0"/>
-              </a:spcBef>
-              <a:spcAft>
-                <a:spcPct val="0"/>
-              </a:spcAft>
-              <a:defRPr sz="3800">
-                <a:solidFill>
-                  <a:srgbClr val="000000"/>
-                </a:solidFill>
-                <a:latin typeface="Gill Sans" charset="0"/>
-                <a:ea typeface="ヒラギノ角ゴ ProN W3" charset="-128"/>
-                <a:sym typeface="Gill Sans" charset="0"/>
-              </a:defRPr>
-            </a:lvl6pPr>
-            <a:lvl7pPr marL="2430463" indent="-168275" algn="ctr" defTabSz="336550" eaLnBrk="0" fontAlgn="base" hangingPunct="0">
-              <a:spcBef>
-                <a:spcPct val="0"/>
-              </a:spcBef>
-              <a:spcAft>
-                <a:spcPct val="0"/>
-              </a:spcAft>
-              <a:defRPr sz="3800">
-                <a:solidFill>
-                  <a:srgbClr val="000000"/>
-                </a:solidFill>
-                <a:latin typeface="Gill Sans" charset="0"/>
-                <a:ea typeface="ヒラギノ角ゴ ProN W3" charset="-128"/>
-                <a:sym typeface="Gill Sans" charset="0"/>
-              </a:defRPr>
-            </a:lvl7pPr>
-            <a:lvl8pPr marL="2887663" indent="-168275" algn="ctr" defTabSz="336550" eaLnBrk="0" fontAlgn="base" hangingPunct="0">
-              <a:spcBef>
-                <a:spcPct val="0"/>
-              </a:spcBef>
-              <a:spcAft>
-                <a:spcPct val="0"/>
-              </a:spcAft>
-              <a:defRPr sz="3800">
-                <a:solidFill>
-                  <a:srgbClr val="000000"/>
-                </a:solidFill>
-                <a:latin typeface="Gill Sans" charset="0"/>
-                <a:ea typeface="ヒラギノ角ゴ ProN W3" charset="-128"/>
-                <a:sym typeface="Gill Sans" charset="0"/>
-              </a:defRPr>
-            </a:lvl8pPr>
-            <a:lvl9pPr marL="3344863" indent="-168275" algn="ctr" defTabSz="336550" eaLnBrk="0" fontAlgn="base" hangingPunct="0">
-              <a:spcBef>
-                <a:spcPct val="0"/>
-              </a:spcBef>
-              <a:spcAft>
-                <a:spcPct val="0"/>
-              </a:spcAft>
-              <a:defRPr sz="3800">
-                <a:solidFill>
-                  <a:srgbClr val="000000"/>
-                </a:solidFill>
-                <a:latin typeface="Gill Sans" charset="0"/>
-                <a:ea typeface="ヒラギノ角ゴ ProN W3" charset="-128"/>
-                <a:sym typeface="Gill Sans" charset="0"/>
-              </a:defRPr>
-            </a:lvl9pPr>
-          </a:lstStyle>
-          <a:p>
-            <a:pPr eaLnBrk="1" hangingPunct="1"/>
-            <a:r>
-              <a:rPr lang="de-CH" altLang="de-DE" sz="1300" b="1" dirty="0">
-                <a:solidFill>
-                  <a:srgbClr val="595959"/>
-                </a:solidFill>
-                <a:latin typeface="Arial" panose="020B0604020202020204" pitchFamily="34" charset="0"/>
-                <a:ea typeface="ＭＳ Ｐゴシック" panose="020B0600070205080204" pitchFamily="34" charset="-128"/>
-                <a:cs typeface="Arial" panose="020B0604020202020204" pitchFamily="34" charset="0"/>
-              </a:rPr>
-              <a:t>Analysieren</a:t>
-            </a:r>
-          </a:p>
-        </p:txBody>
-      </p:sp>
-      <p:sp>
-        <p:nvSpPr>
-          <p:cNvPr id="32" name="Rounded Rectangular Callout 65"/>
-          <p:cNvSpPr/>
-          <p:nvPr/>
-        </p:nvSpPr>
-        <p:spPr>
-          <a:xfrm>
-            <a:off x="857250" y="3762375"/>
-            <a:ext cx="1535113" cy="901989"/>
-          </a:xfrm>
-          <a:prstGeom prst="wedgeRoundRectCallout">
-            <a:avLst>
-              <a:gd name="adj1" fmla="val -20396"/>
-              <a:gd name="adj2" fmla="val -66667"/>
-              <a:gd name="adj3" fmla="val 16667"/>
-            </a:avLst>
-          </a:prstGeom>
-          <a:solidFill>
-            <a:schemeClr val="bg1"/>
-          </a:solidFill>
-          <a:ln w="3175" cap="flat" cmpd="sng" algn="ctr">
-            <a:solidFill>
-              <a:schemeClr val="bg1">
-                <a:lumMod val="75000"/>
-              </a:schemeClr>
-            </a:solidFill>
-            <a:prstDash val="solid"/>
-            <a:miter lim="800000"/>
-            <a:headEnd type="none" w="med" len="med"/>
-            <a:tailEnd type="none" w="med" len="med"/>
-          </a:ln>
-          <a:effectLst>
-            <a:outerShdw blurRad="63500" sx="102000" sy="102000" algn="ctr" rotWithShape="0">
-              <a:schemeClr val="tx1">
-                <a:lumMod val="50000"/>
-                <a:lumOff val="50000"/>
-                <a:alpha val="43000"/>
-              </a:schemeClr>
-            </a:outerShdw>
-          </a:effectLst>
-        </p:spPr>
-        <p:txBody>
-          <a:bodyPr lIns="0" tIns="0" rIns="0" bIns="0"/>
-          <a:lstStyle>
-            <a:lvl1pPr defTabSz="336550" eaLnBrk="0" hangingPunct="0">
-              <a:defRPr sz="3800">
-                <a:solidFill>
-                  <a:srgbClr val="000000"/>
-                </a:solidFill>
-                <a:latin typeface="Gill Sans" charset="0"/>
-                <a:ea typeface="ヒラギノ角ゴ ProN W3" charset="-128"/>
-                <a:sym typeface="Gill Sans" charset="0"/>
-              </a:defRPr>
-            </a:lvl1pPr>
-            <a:lvl2pPr marL="547688" indent="-211138" defTabSz="336550" eaLnBrk="0" hangingPunct="0">
-              <a:defRPr sz="3800">
-                <a:solidFill>
-                  <a:srgbClr val="000000"/>
-                </a:solidFill>
-                <a:latin typeface="Gill Sans" charset="0"/>
-                <a:ea typeface="ヒラギノ角ゴ ProN W3" charset="-128"/>
-                <a:sym typeface="Gill Sans" charset="0"/>
-              </a:defRPr>
-            </a:lvl2pPr>
-            <a:lvl3pPr marL="841375" indent="-168275" defTabSz="336550" eaLnBrk="0" hangingPunct="0">
-              <a:defRPr sz="3800">
-                <a:solidFill>
-                  <a:srgbClr val="000000"/>
-                </a:solidFill>
-                <a:latin typeface="Gill Sans" charset="0"/>
-                <a:ea typeface="ヒラギノ角ゴ ProN W3" charset="-128"/>
-                <a:sym typeface="Gill Sans" charset="0"/>
-              </a:defRPr>
-            </a:lvl3pPr>
-            <a:lvl4pPr marL="1177925" indent="-168275" defTabSz="336550" eaLnBrk="0" hangingPunct="0">
-              <a:defRPr sz="3800">
-                <a:solidFill>
-                  <a:srgbClr val="000000"/>
-                </a:solidFill>
-                <a:latin typeface="Gill Sans" charset="0"/>
-                <a:ea typeface="ヒラギノ角ゴ ProN W3" charset="-128"/>
-                <a:sym typeface="Gill Sans" charset="0"/>
-              </a:defRPr>
-            </a:lvl4pPr>
-            <a:lvl5pPr marL="1516063" indent="-168275" defTabSz="336550" eaLnBrk="0" hangingPunct="0">
-              <a:defRPr sz="3800">
-                <a:solidFill>
-                  <a:srgbClr val="000000"/>
-                </a:solidFill>
-                <a:latin typeface="Gill Sans" charset="0"/>
-                <a:ea typeface="ヒラギノ角ゴ ProN W3" charset="-128"/>
-                <a:sym typeface="Gill Sans" charset="0"/>
-              </a:defRPr>
-            </a:lvl5pPr>
-            <a:lvl6pPr marL="1973263" indent="-168275" algn="ctr" defTabSz="336550" eaLnBrk="0" fontAlgn="base" hangingPunct="0">
-              <a:spcBef>
-                <a:spcPct val="0"/>
-              </a:spcBef>
-              <a:spcAft>
-                <a:spcPct val="0"/>
-              </a:spcAft>
-              <a:defRPr sz="3800">
-                <a:solidFill>
-                  <a:srgbClr val="000000"/>
-                </a:solidFill>
-                <a:latin typeface="Gill Sans" charset="0"/>
-                <a:ea typeface="ヒラギノ角ゴ ProN W3" charset="-128"/>
-                <a:sym typeface="Gill Sans" charset="0"/>
-              </a:defRPr>
-            </a:lvl6pPr>
-            <a:lvl7pPr marL="2430463" indent="-168275" algn="ctr" defTabSz="336550" eaLnBrk="0" fontAlgn="base" hangingPunct="0">
-              <a:spcBef>
-                <a:spcPct val="0"/>
-              </a:spcBef>
-              <a:spcAft>
-                <a:spcPct val="0"/>
-              </a:spcAft>
-              <a:defRPr sz="3800">
-                <a:solidFill>
-                  <a:srgbClr val="000000"/>
-                </a:solidFill>
-                <a:latin typeface="Gill Sans" charset="0"/>
-                <a:ea typeface="ヒラギノ角ゴ ProN W3" charset="-128"/>
-                <a:sym typeface="Gill Sans" charset="0"/>
-              </a:defRPr>
-            </a:lvl7pPr>
-            <a:lvl8pPr marL="2887663" indent="-168275" algn="ctr" defTabSz="336550" eaLnBrk="0" fontAlgn="base" hangingPunct="0">
-              <a:spcBef>
-                <a:spcPct val="0"/>
-              </a:spcBef>
-              <a:spcAft>
-                <a:spcPct val="0"/>
-              </a:spcAft>
-              <a:defRPr sz="3800">
-                <a:solidFill>
-                  <a:srgbClr val="000000"/>
-                </a:solidFill>
-                <a:latin typeface="Gill Sans" charset="0"/>
-                <a:ea typeface="ヒラギノ角ゴ ProN W3" charset="-128"/>
-                <a:sym typeface="Gill Sans" charset="0"/>
-              </a:defRPr>
-            </a:lvl8pPr>
-            <a:lvl9pPr marL="3344863" indent="-168275" algn="ctr" defTabSz="336550" eaLnBrk="0" fontAlgn="base" hangingPunct="0">
-              <a:spcBef>
-                <a:spcPct val="0"/>
-              </a:spcBef>
-              <a:spcAft>
-                <a:spcPct val="0"/>
-              </a:spcAft>
-              <a:defRPr sz="3800">
-                <a:solidFill>
-                  <a:srgbClr val="000000"/>
-                </a:solidFill>
-                <a:latin typeface="Gill Sans" charset="0"/>
-                <a:ea typeface="ヒラギノ角ゴ ProN W3" charset="-128"/>
-                <a:sym typeface="Gill Sans" charset="0"/>
-              </a:defRPr>
-            </a:lvl9pPr>
-          </a:lstStyle>
-          <a:p>
-            <a:pPr eaLnBrk="1" hangingPunct="1"/>
-            <a:r>
-              <a:rPr lang="de-CH" altLang="de-DE" sz="1300" dirty="0">
-                <a:solidFill>
-                  <a:srgbClr val="595959"/>
-                </a:solidFill>
-                <a:latin typeface="ITC Legacy Serif Std Medium"/>
-                <a:ea typeface="ＭＳ Ｐゴシック" panose="020B0600070205080204" pitchFamily="34" charset="-128"/>
-                <a:cs typeface="Arial" panose="020B0604020202020204" pitchFamily="34" charset="0"/>
-              </a:rPr>
-              <a:t>«Prüfungen zentral online erfassen, kollaborieren und ausdrucken»</a:t>
-            </a:r>
-          </a:p>
-        </p:txBody>
-      </p:sp>
-      <p:sp>
-        <p:nvSpPr>
-          <p:cNvPr id="33" name="Rounded Rectangular Callout 66"/>
-          <p:cNvSpPr/>
-          <p:nvPr/>
-        </p:nvSpPr>
-        <p:spPr>
-          <a:xfrm>
-            <a:off x="2814638" y="3762375"/>
-            <a:ext cx="1535112" cy="901989"/>
-          </a:xfrm>
-          <a:prstGeom prst="wedgeRoundRectCallout">
-            <a:avLst>
-              <a:gd name="adj1" fmla="val -20396"/>
-              <a:gd name="adj2" fmla="val -66667"/>
-              <a:gd name="adj3" fmla="val 16667"/>
-            </a:avLst>
-          </a:prstGeom>
-          <a:solidFill>
-            <a:schemeClr val="bg1"/>
-          </a:solidFill>
-          <a:ln w="3175" cap="flat" cmpd="sng" algn="ctr">
-            <a:solidFill>
-              <a:schemeClr val="bg1">
-                <a:lumMod val="75000"/>
-              </a:schemeClr>
-            </a:solidFill>
-            <a:prstDash val="solid"/>
-            <a:miter lim="800000"/>
-            <a:headEnd type="none" w="med" len="med"/>
-            <a:tailEnd type="none" w="med" len="med"/>
-          </a:ln>
-          <a:effectLst>
-            <a:outerShdw blurRad="63500" sx="102000" sy="102000" algn="ctr" rotWithShape="0">
-              <a:schemeClr val="tx1">
-                <a:lumMod val="50000"/>
-                <a:lumOff val="50000"/>
-                <a:alpha val="43000"/>
-              </a:schemeClr>
-            </a:outerShdw>
-          </a:effectLst>
-        </p:spPr>
-        <p:txBody>
-          <a:bodyPr lIns="0" tIns="0" rIns="0" bIns="0"/>
-          <a:lstStyle>
-            <a:lvl1pPr defTabSz="336550" eaLnBrk="0" hangingPunct="0">
-              <a:defRPr sz="3800">
-                <a:solidFill>
-                  <a:srgbClr val="000000"/>
-                </a:solidFill>
-                <a:latin typeface="Gill Sans" charset="0"/>
-                <a:ea typeface="ヒラギノ角ゴ ProN W3" charset="-128"/>
-                <a:sym typeface="Gill Sans" charset="0"/>
-              </a:defRPr>
-            </a:lvl1pPr>
-            <a:lvl2pPr marL="547688" indent="-211138" defTabSz="336550" eaLnBrk="0" hangingPunct="0">
-              <a:defRPr sz="3800">
-                <a:solidFill>
-                  <a:srgbClr val="000000"/>
-                </a:solidFill>
-                <a:latin typeface="Gill Sans" charset="0"/>
-                <a:ea typeface="ヒラギノ角ゴ ProN W3" charset="-128"/>
-                <a:sym typeface="Gill Sans" charset="0"/>
-              </a:defRPr>
-            </a:lvl2pPr>
-            <a:lvl3pPr marL="841375" indent="-168275" defTabSz="336550" eaLnBrk="0" hangingPunct="0">
-              <a:defRPr sz="3800">
-                <a:solidFill>
-                  <a:srgbClr val="000000"/>
-                </a:solidFill>
-                <a:latin typeface="Gill Sans" charset="0"/>
-                <a:ea typeface="ヒラギノ角ゴ ProN W3" charset="-128"/>
-                <a:sym typeface="Gill Sans" charset="0"/>
-              </a:defRPr>
-            </a:lvl3pPr>
-            <a:lvl4pPr marL="1177925" indent="-168275" defTabSz="336550" eaLnBrk="0" hangingPunct="0">
-              <a:defRPr sz="3800">
-                <a:solidFill>
-                  <a:srgbClr val="000000"/>
-                </a:solidFill>
-                <a:latin typeface="Gill Sans" charset="0"/>
-                <a:ea typeface="ヒラギノ角ゴ ProN W3" charset="-128"/>
-                <a:sym typeface="Gill Sans" charset="0"/>
-              </a:defRPr>
-            </a:lvl4pPr>
-            <a:lvl5pPr marL="1516063" indent="-168275" defTabSz="336550" eaLnBrk="0" hangingPunct="0">
-              <a:defRPr sz="3800">
-                <a:solidFill>
-                  <a:srgbClr val="000000"/>
-                </a:solidFill>
-                <a:latin typeface="Gill Sans" charset="0"/>
-                <a:ea typeface="ヒラギノ角ゴ ProN W3" charset="-128"/>
-                <a:sym typeface="Gill Sans" charset="0"/>
-              </a:defRPr>
-            </a:lvl5pPr>
-            <a:lvl6pPr marL="1973263" indent="-168275" algn="ctr" defTabSz="336550" eaLnBrk="0" fontAlgn="base" hangingPunct="0">
-              <a:spcBef>
-                <a:spcPct val="0"/>
-              </a:spcBef>
-              <a:spcAft>
-                <a:spcPct val="0"/>
-              </a:spcAft>
-              <a:defRPr sz="3800">
-                <a:solidFill>
-                  <a:srgbClr val="000000"/>
-                </a:solidFill>
-                <a:latin typeface="Gill Sans" charset="0"/>
-                <a:ea typeface="ヒラギノ角ゴ ProN W3" charset="-128"/>
-                <a:sym typeface="Gill Sans" charset="0"/>
-              </a:defRPr>
-            </a:lvl6pPr>
-            <a:lvl7pPr marL="2430463" indent="-168275" algn="ctr" defTabSz="336550" eaLnBrk="0" fontAlgn="base" hangingPunct="0">
-              <a:spcBef>
-                <a:spcPct val="0"/>
-              </a:spcBef>
-              <a:spcAft>
-                <a:spcPct val="0"/>
-              </a:spcAft>
-              <a:defRPr sz="3800">
-                <a:solidFill>
-                  <a:srgbClr val="000000"/>
-                </a:solidFill>
-                <a:latin typeface="Gill Sans" charset="0"/>
-                <a:ea typeface="ヒラギノ角ゴ ProN W3" charset="-128"/>
-                <a:sym typeface="Gill Sans" charset="0"/>
-              </a:defRPr>
-            </a:lvl7pPr>
-            <a:lvl8pPr marL="2887663" indent="-168275" algn="ctr" defTabSz="336550" eaLnBrk="0" fontAlgn="base" hangingPunct="0">
-              <a:spcBef>
-                <a:spcPct val="0"/>
-              </a:spcBef>
-              <a:spcAft>
-                <a:spcPct val="0"/>
-              </a:spcAft>
-              <a:defRPr sz="3800">
-                <a:solidFill>
-                  <a:srgbClr val="000000"/>
-                </a:solidFill>
-                <a:latin typeface="Gill Sans" charset="0"/>
-                <a:ea typeface="ヒラギノ角ゴ ProN W3" charset="-128"/>
-                <a:sym typeface="Gill Sans" charset="0"/>
-              </a:defRPr>
-            </a:lvl8pPr>
-            <a:lvl9pPr marL="3344863" indent="-168275" algn="ctr" defTabSz="336550" eaLnBrk="0" fontAlgn="base" hangingPunct="0">
-              <a:spcBef>
-                <a:spcPct val="0"/>
-              </a:spcBef>
-              <a:spcAft>
-                <a:spcPct val="0"/>
-              </a:spcAft>
-              <a:defRPr sz="3800">
-                <a:solidFill>
-                  <a:srgbClr val="000000"/>
-                </a:solidFill>
-                <a:latin typeface="Gill Sans" charset="0"/>
-                <a:ea typeface="ヒラギノ角ゴ ProN W3" charset="-128"/>
-                <a:sym typeface="Gill Sans" charset="0"/>
-              </a:defRPr>
-            </a:lvl9pPr>
-          </a:lstStyle>
-          <a:p>
-            <a:pPr eaLnBrk="1" hangingPunct="1"/>
-            <a:r>
-              <a:rPr lang="de-CH" altLang="de-DE" sz="1300" dirty="0">
-                <a:solidFill>
-                  <a:srgbClr val="595959"/>
-                </a:solidFill>
-                <a:latin typeface="ITC Legacy Serif Std Medium"/>
-                <a:ea typeface="ＭＳ Ｐゴシック" panose="020B0600070205080204" pitchFamily="34" charset="-128"/>
-                <a:cs typeface="Arial" panose="020B0604020202020204" pitchFamily="34" charset="0"/>
-              </a:rPr>
-              <a:t>«Prüfung durchführen, scannen, online auswerten»</a:t>
-            </a:r>
-          </a:p>
-        </p:txBody>
-      </p:sp>
-      <p:sp>
-        <p:nvSpPr>
-          <p:cNvPr id="34" name="Rounded Rectangular Callout 67"/>
-          <p:cNvSpPr/>
-          <p:nvPr/>
-        </p:nvSpPr>
-        <p:spPr>
-          <a:xfrm>
-            <a:off x="4786313" y="3762375"/>
-            <a:ext cx="1535112" cy="901989"/>
-          </a:xfrm>
-          <a:prstGeom prst="wedgeRoundRectCallout">
-            <a:avLst>
-              <a:gd name="adj1" fmla="val -20396"/>
-              <a:gd name="adj2" fmla="val -66667"/>
-              <a:gd name="adj3" fmla="val 16667"/>
-            </a:avLst>
-          </a:prstGeom>
-          <a:solidFill>
-            <a:schemeClr val="bg1"/>
-          </a:solidFill>
-          <a:ln w="3175" cap="flat" cmpd="sng" algn="ctr">
-            <a:solidFill>
-              <a:schemeClr val="bg1">
-                <a:lumMod val="75000"/>
-              </a:schemeClr>
-            </a:solidFill>
-            <a:prstDash val="solid"/>
-            <a:miter lim="800000"/>
-            <a:headEnd type="none" w="med" len="med"/>
-            <a:tailEnd type="none" w="med" len="med"/>
-          </a:ln>
-          <a:effectLst>
-            <a:outerShdw blurRad="63500" sx="102000" sy="102000" algn="ctr" rotWithShape="0">
-              <a:schemeClr val="tx1">
-                <a:lumMod val="50000"/>
-                <a:lumOff val="50000"/>
-                <a:alpha val="43000"/>
-              </a:schemeClr>
-            </a:outerShdw>
-          </a:effectLst>
-        </p:spPr>
-        <p:txBody>
-          <a:bodyPr lIns="0" tIns="0" rIns="0" bIns="0"/>
-          <a:lstStyle>
-            <a:lvl1pPr defTabSz="336550" eaLnBrk="0" hangingPunct="0">
-              <a:defRPr sz="3800">
-                <a:solidFill>
-                  <a:srgbClr val="000000"/>
-                </a:solidFill>
-                <a:latin typeface="Gill Sans" charset="0"/>
-                <a:ea typeface="ヒラギノ角ゴ ProN W3" charset="-128"/>
-                <a:sym typeface="Gill Sans" charset="0"/>
-              </a:defRPr>
-            </a:lvl1pPr>
-            <a:lvl2pPr marL="547688" indent="-211138" defTabSz="336550" eaLnBrk="0" hangingPunct="0">
-              <a:defRPr sz="3800">
-                <a:solidFill>
-                  <a:srgbClr val="000000"/>
-                </a:solidFill>
-                <a:latin typeface="Gill Sans" charset="0"/>
-                <a:ea typeface="ヒラギノ角ゴ ProN W3" charset="-128"/>
-                <a:sym typeface="Gill Sans" charset="0"/>
-              </a:defRPr>
-            </a:lvl2pPr>
-            <a:lvl3pPr marL="841375" indent="-168275" defTabSz="336550" eaLnBrk="0" hangingPunct="0">
-              <a:defRPr sz="3800">
-                <a:solidFill>
-                  <a:srgbClr val="000000"/>
-                </a:solidFill>
-                <a:latin typeface="Gill Sans" charset="0"/>
-                <a:ea typeface="ヒラギノ角ゴ ProN W3" charset="-128"/>
-                <a:sym typeface="Gill Sans" charset="0"/>
-              </a:defRPr>
-            </a:lvl3pPr>
-            <a:lvl4pPr marL="1177925" indent="-168275" defTabSz="336550" eaLnBrk="0" hangingPunct="0">
-              <a:defRPr sz="3800">
-                <a:solidFill>
-                  <a:srgbClr val="000000"/>
-                </a:solidFill>
-                <a:latin typeface="Gill Sans" charset="0"/>
-                <a:ea typeface="ヒラギノ角ゴ ProN W3" charset="-128"/>
-                <a:sym typeface="Gill Sans" charset="0"/>
-              </a:defRPr>
-            </a:lvl4pPr>
-            <a:lvl5pPr marL="1516063" indent="-168275" defTabSz="336550" eaLnBrk="0" hangingPunct="0">
-              <a:defRPr sz="3800">
-                <a:solidFill>
-                  <a:srgbClr val="000000"/>
-                </a:solidFill>
-                <a:latin typeface="Gill Sans" charset="0"/>
-                <a:ea typeface="ヒラギノ角ゴ ProN W3" charset="-128"/>
-                <a:sym typeface="Gill Sans" charset="0"/>
-              </a:defRPr>
-            </a:lvl5pPr>
-            <a:lvl6pPr marL="1973263" indent="-168275" algn="ctr" defTabSz="336550" eaLnBrk="0" fontAlgn="base" hangingPunct="0">
-              <a:spcBef>
-                <a:spcPct val="0"/>
-              </a:spcBef>
-              <a:spcAft>
-                <a:spcPct val="0"/>
-              </a:spcAft>
-              <a:defRPr sz="3800">
-                <a:solidFill>
-                  <a:srgbClr val="000000"/>
-                </a:solidFill>
-                <a:latin typeface="Gill Sans" charset="0"/>
-                <a:ea typeface="ヒラギノ角ゴ ProN W3" charset="-128"/>
-                <a:sym typeface="Gill Sans" charset="0"/>
-              </a:defRPr>
-            </a:lvl6pPr>
-            <a:lvl7pPr marL="2430463" indent="-168275" algn="ctr" defTabSz="336550" eaLnBrk="0" fontAlgn="base" hangingPunct="0">
-              <a:spcBef>
-                <a:spcPct val="0"/>
-              </a:spcBef>
-              <a:spcAft>
-                <a:spcPct val="0"/>
-              </a:spcAft>
-              <a:defRPr sz="3800">
-                <a:solidFill>
-                  <a:srgbClr val="000000"/>
-                </a:solidFill>
-                <a:latin typeface="Gill Sans" charset="0"/>
-                <a:ea typeface="ヒラギノ角ゴ ProN W3" charset="-128"/>
-                <a:sym typeface="Gill Sans" charset="0"/>
-              </a:defRPr>
-            </a:lvl7pPr>
-            <a:lvl8pPr marL="2887663" indent="-168275" algn="ctr" defTabSz="336550" eaLnBrk="0" fontAlgn="base" hangingPunct="0">
-              <a:spcBef>
-                <a:spcPct val="0"/>
-              </a:spcBef>
-              <a:spcAft>
-                <a:spcPct val="0"/>
-              </a:spcAft>
-              <a:defRPr sz="3800">
-                <a:solidFill>
-                  <a:srgbClr val="000000"/>
-                </a:solidFill>
-                <a:latin typeface="Gill Sans" charset="0"/>
-                <a:ea typeface="ヒラギノ角ゴ ProN W3" charset="-128"/>
-                <a:sym typeface="Gill Sans" charset="0"/>
-              </a:defRPr>
-            </a:lvl8pPr>
-            <a:lvl9pPr marL="3344863" indent="-168275" algn="ctr" defTabSz="336550" eaLnBrk="0" fontAlgn="base" hangingPunct="0">
-              <a:spcBef>
-                <a:spcPct val="0"/>
-              </a:spcBef>
-              <a:spcAft>
-                <a:spcPct val="0"/>
-              </a:spcAft>
-              <a:defRPr sz="3800">
-                <a:solidFill>
-                  <a:srgbClr val="000000"/>
-                </a:solidFill>
-                <a:latin typeface="Gill Sans" charset="0"/>
-                <a:ea typeface="ヒラギノ角ゴ ProN W3" charset="-128"/>
-                <a:sym typeface="Gill Sans" charset="0"/>
-              </a:defRPr>
-            </a:lvl9pPr>
-          </a:lstStyle>
-          <a:p>
-            <a:pPr eaLnBrk="1" hangingPunct="1"/>
-            <a:r>
-              <a:rPr lang="de-CH" altLang="de-DE" sz="1300" dirty="0">
-                <a:solidFill>
-                  <a:srgbClr val="595959"/>
-                </a:solidFill>
-                <a:latin typeface="ITC Legacy Serif Std Medium"/>
-                <a:ea typeface="ＭＳ Ｐゴシック" panose="020B0600070205080204" pitchFamily="34" charset="-128"/>
-                <a:cs typeface="Arial" panose="020B0604020202020204" pitchFamily="34" charset="0"/>
-              </a:rPr>
-              <a:t>«</a:t>
-            </a:r>
-            <a:r>
-              <a:rPr lang="de-CH" altLang="de-DE" sz="1300" dirty="0" err="1">
-                <a:solidFill>
-                  <a:srgbClr val="595959"/>
-                </a:solidFill>
-                <a:latin typeface="ITC Legacy Serif Std Medium"/>
-                <a:ea typeface="ＭＳ Ｐゴシック" panose="020B0600070205080204" pitchFamily="34" charset="-128"/>
-                <a:cs typeface="Arial" panose="020B0604020202020204" pitchFamily="34" charset="0"/>
-              </a:rPr>
-              <a:t>Aufgabendurchfüh-rung</a:t>
-            </a:r>
-            <a:r>
-              <a:rPr lang="de-CH" altLang="de-DE" sz="1300" dirty="0">
-                <a:solidFill>
-                  <a:srgbClr val="595959"/>
-                </a:solidFill>
-                <a:latin typeface="ITC Legacy Serif Std Medium"/>
-                <a:ea typeface="ＭＳ Ｐゴシック" panose="020B0600070205080204" pitchFamily="34" charset="-128"/>
-                <a:cs typeface="Arial" panose="020B0604020202020204" pitchFamily="34" charset="0"/>
-              </a:rPr>
-              <a:t> analysieren und Schlüsse für Unterricht ziehen»</a:t>
-            </a:r>
-          </a:p>
-        </p:txBody>
-      </p:sp>
-      <p:pic>
-        <p:nvPicPr>
-          <p:cNvPr id="39" name="Grafik 38"/>
-          <p:cNvPicPr>
-            <a:picLocks noChangeAspect="1"/>
-          </p:cNvPicPr>
-          <p:nvPr/>
-        </p:nvPicPr>
-        <p:blipFill>
-          <a:blip r:embed="rId3">
-            <a:extLst>
-              <a:ext uri="{28A0092B-C50C-407E-A947-70E740481C1C}">
-                <a14:useLocalDpi xmlns:a14="http://schemas.microsoft.com/office/drawing/2010/main" val="0"/>
-              </a:ext>
-            </a:extLst>
-          </a:blip>
-          <a:stretch>
-            <a:fillRect/>
-          </a:stretch>
-        </p:blipFill>
-        <p:spPr>
-          <a:xfrm>
-            <a:off x="4914903" y="2358230"/>
-            <a:ext cx="1219200" cy="1219200"/>
-          </a:xfrm>
-          <a:prstGeom prst="rect">
-            <a:avLst/>
-          </a:prstGeom>
-        </p:spPr>
-      </p:pic>
-      <p:pic>
-        <p:nvPicPr>
-          <p:cNvPr id="41" name="Grafik 40"/>
-          <p:cNvPicPr>
-            <a:picLocks noChangeAspect="1"/>
-          </p:cNvPicPr>
-          <p:nvPr/>
-        </p:nvPicPr>
-        <p:blipFill>
-          <a:blip r:embed="rId4">
-            <a:extLst>
-              <a:ext uri="{28A0092B-C50C-407E-A947-70E740481C1C}">
-                <a14:useLocalDpi xmlns:a14="http://schemas.microsoft.com/office/drawing/2010/main" val="0"/>
-              </a:ext>
-            </a:extLst>
-          </a:blip>
-          <a:stretch>
-            <a:fillRect/>
-          </a:stretch>
-        </p:blipFill>
-        <p:spPr>
-          <a:xfrm>
-            <a:off x="947087" y="2290541"/>
-            <a:ext cx="1219200" cy="1219200"/>
-          </a:xfrm>
-          <a:prstGeom prst="rect">
-            <a:avLst/>
-          </a:prstGeom>
-        </p:spPr>
-      </p:pic>
-      <p:pic>
-        <p:nvPicPr>
-          <p:cNvPr id="43" name="Grafik 42"/>
-          <p:cNvPicPr>
-            <a:picLocks noChangeAspect="1"/>
-          </p:cNvPicPr>
-          <p:nvPr/>
-        </p:nvPicPr>
-        <p:blipFill>
-          <a:blip r:embed="rId5">
-            <a:extLst>
-              <a:ext uri="{28A0092B-C50C-407E-A947-70E740481C1C}">
-                <a14:useLocalDpi xmlns:a14="http://schemas.microsoft.com/office/drawing/2010/main" val="0"/>
-              </a:ext>
-            </a:extLst>
-          </a:blip>
-          <a:stretch>
-            <a:fillRect/>
-          </a:stretch>
-        </p:blipFill>
-        <p:spPr>
-          <a:xfrm>
-            <a:off x="2830771" y="2278063"/>
-            <a:ext cx="1219200" cy="1219200"/>
-          </a:xfrm>
-          <a:prstGeom prst="rect">
-            <a:avLst/>
-          </a:prstGeom>
-        </p:spPr>
-      </p:pic>
     </p:spTree>
     <p:extLst>
       <p:ext uri="{BB962C8B-B14F-4D97-AF65-F5344CB8AC3E}">
